--- a/APPetit-master/APPetit Presentation.pptx
+++ b/APPetit-master/APPetit Presentation.pptx
@@ -1,26 +1,26 @@
 
 <file path=ppt/presentation.xml><?xml version="1.0" encoding="utf-8"?>
-<p:presentation xmlns:a="http://schemas.openxmlformats.org/drawingml/2006/main" xmlns:r="http://schemas.openxmlformats.org/officeDocument/2006/relationships" xmlns:p="http://schemas.openxmlformats.org/presentationml/2006/main" removePersonalInfoOnSave="1" saveSubsetFonts="1">
+<p:presentation xmlns:a="http://schemas.openxmlformats.org/drawingml/2006/main" xmlns:r="http://schemas.openxmlformats.org/officeDocument/2006/relationships" xmlns:p="http://schemas.openxmlformats.org/presentationml/2006/main" removePersonalInfoOnSave="1">
   <p:sldMasterIdLst>
-    <p:sldMasterId id="2147483660" r:id="rId4"/>
+    <p:sldMasterId id="2147483648" r:id="rId1"/>
   </p:sldMasterIdLst>
   <p:notesMasterIdLst>
-    <p:notesMasterId r:id="rId15"/>
+    <p:notesMasterId r:id="rId4"/>
   </p:notesMasterIdLst>
   <p:handoutMasterIdLst>
-    <p:handoutMasterId r:id="rId16"/>
+    <p:handoutMasterId r:id="rId14"/>
   </p:handoutMasterIdLst>
   <p:sldIdLst>
-    <p:sldId id="256" r:id="rId5"/>
-    <p:sldId id="271" r:id="rId6"/>
-    <p:sldId id="279" r:id="rId7"/>
-    <p:sldId id="281" r:id="rId8"/>
-    <p:sldId id="280" r:id="rId9"/>
-    <p:sldId id="257" r:id="rId10"/>
-    <p:sldId id="282" r:id="rId11"/>
-    <p:sldId id="275" r:id="rId12"/>
-    <p:sldId id="276" r:id="rId13"/>
-    <p:sldId id="283" r:id="rId14"/>
+    <p:sldId id="256" r:id="rId3"/>
+    <p:sldId id="271" r:id="rId5"/>
+    <p:sldId id="279" r:id="rId6"/>
+    <p:sldId id="281" r:id="rId7"/>
+    <p:sldId id="280" r:id="rId8"/>
+    <p:sldId id="257" r:id="rId9"/>
+    <p:sldId id="282" r:id="rId10"/>
+    <p:sldId id="275" r:id="rId11"/>
+    <p:sldId id="276" r:id="rId12"/>
+    <p:sldId id="283" r:id="rId13"/>
   </p:sldIdLst>
   <p:sldSz cx="12192000" cy="6858000"/>
   <p:notesSz cx="6858000" cy="9144000"/>
@@ -145,23 +145,6 @@
         </p14:section>
       </p14:sectionLst>
     </p:ext>
-    <p:ext uri="{EFAFB233-063F-42B5-8137-9DF3F51BA10A}">
-      <p15:sldGuideLst xmlns:p15="http://schemas.microsoft.com/office/powerpoint/2012/main">
-        <p15:guide id="1" orient="horz" pos="2160" userDrawn="1">
-          <p15:clr>
-            <a:srgbClr val="A4A3A4"/>
-          </p15:clr>
-        </p15:guide>
-        <p15:guide id="2" pos="3840" userDrawn="1">
-          <p15:clr>
-            <a:srgbClr val="A4A3A4"/>
-          </p15:clr>
-        </p15:guide>
-      </p15:sldGuideLst>
-    </p:ext>
-    <p:ext uri="{2D200454-40CA-4A62-9FC3-DE9A4176ACB9}">
-      <p15:notesGuideLst xmlns:p15="http://schemas.microsoft.com/office/powerpoint/2012/main"/>
-    </p:ext>
   </p:extLst>
 </p:presentation>
 </file>
@@ -254,7 +237,6 @@
           <a:p>
             <a:fld id="{80680FBE-A8DF-4758-9AC4-3A9E1039168F}" type="datetimeFigureOut">
               <a:rPr lang="en-US" smtClean="0"/>
-              <a:t>6/10/2019</a:t>
             </a:fld>
             <a:endParaRPr lang="en-US" dirty="0"/>
           </a:p>
@@ -320,18 +302,12 @@
           <a:p>
             <a:fld id="{9C679768-A2FC-4D08-91F6-8DCE6C566B36}" type="slidenum">
               <a:rPr lang="en-US" smtClean="0"/>
-              <a:t>‹N›</a:t>
             </a:fld>
             <a:endParaRPr lang="en-US" dirty="0"/>
           </a:p>
         </p:txBody>
       </p:sp>
     </p:spTree>
-    <p:extLst>
-      <p:ext uri="{BB962C8B-B14F-4D97-AF65-F5344CB8AC3E}">
-        <p14:creationId xmlns:p14="http://schemas.microsoft.com/office/powerpoint/2010/main" val="1830255166"/>
-      </p:ext>
-    </p:extLst>
   </p:cSld>
   <p:clrMap bg1="lt1" tx1="dk1" bg2="lt2" tx2="dk2" accent1="accent1" accent2="accent2" accent3="accent3" accent4="accent4" accent5="accent5" accent6="accent6" hlink="hlink" folHlink="folHlink"/>
 </p:handoutMaster>
@@ -419,7 +395,6 @@
           <a:p>
             <a:fld id="{EC13577B-6902-467D-A26C-08A0DD5E4E03}" type="datetimeFigureOut">
               <a:rPr lang="en-US" smtClean="0"/>
-              <a:t>6/10/2019</a:t>
             </a:fld>
             <a:endParaRPr lang="en-US" dirty="0"/>
           </a:p>
@@ -486,6 +461,7 @@
               <a:rPr lang="en-US"/>
               <a:t>Click to edit Master text styles</a:t>
             </a:r>
+            <a:endParaRPr lang="en-US"/>
           </a:p>
           <a:p>
             <a:pPr lvl="1"/>
@@ -493,6 +469,7 @@
               <a:rPr lang="en-US"/>
               <a:t>Second level</a:t>
             </a:r>
+            <a:endParaRPr lang="en-US"/>
           </a:p>
           <a:p>
             <a:pPr lvl="2"/>
@@ -500,6 +477,7 @@
               <a:rPr lang="en-US"/>
               <a:t>Third level</a:t>
             </a:r>
+            <a:endParaRPr lang="en-US"/>
           </a:p>
           <a:p>
             <a:pPr lvl="3"/>
@@ -507,6 +485,7 @@
               <a:rPr lang="en-US"/>
               <a:t>Fourth level</a:t>
             </a:r>
+            <a:endParaRPr lang="en-US"/>
           </a:p>
           <a:p>
             <a:pPr lvl="4"/>
@@ -514,6 +493,7 @@
               <a:rPr lang="en-US"/>
               <a:t>Fifth level</a:t>
             </a:r>
+            <a:endParaRPr lang="en-US"/>
           </a:p>
         </p:txBody>
       </p:sp>
@@ -577,18 +557,12 @@
           <a:p>
             <a:fld id="{DF61EA0F-A667-4B49-8422-0062BC55E249}" type="slidenum">
               <a:rPr lang="en-US" smtClean="0"/>
-              <a:t>‹N›</a:t>
             </a:fld>
             <a:endParaRPr lang="en-US" dirty="0"/>
           </a:p>
         </p:txBody>
       </p:sp>
     </p:spTree>
-    <p:extLst>
-      <p:ext uri="{BB962C8B-B14F-4D97-AF65-F5344CB8AC3E}">
-        <p14:creationId xmlns:p14="http://schemas.microsoft.com/office/powerpoint/2010/main" val="3381910297"/>
-      </p:ext>
-    </p:extLst>
   </p:cSld>
   <p:clrMap bg1="lt1" tx1="dk1" bg2="lt2" tx2="dk2" accent1="accent1" accent2="accent2" accent3="accent3" accent4="accent4" accent5="accent5" accent6="accent6" hlink="hlink" folHlink="folHlink"/>
   <p:notesStyle>
@@ -756,18 +730,12 @@
           <a:p>
             <a:fld id="{DF61EA0F-A667-4B49-8422-0062BC55E249}" type="slidenum">
               <a:rPr lang="en-US" smtClean="0"/>
-              <a:t>1</a:t>
             </a:fld>
             <a:endParaRPr lang="en-US" dirty="0"/>
           </a:p>
         </p:txBody>
       </p:sp>
     </p:spTree>
-    <p:extLst>
-      <p:ext uri="{BB962C8B-B14F-4D97-AF65-F5344CB8AC3E}">
-        <p14:creationId xmlns:p14="http://schemas.microsoft.com/office/powerpoint/2010/main" val="1011769815"/>
-      </p:ext>
-    </p:extLst>
   </p:cSld>
   <p:clrMapOvr>
     <a:masterClrMapping/>
@@ -845,18 +813,12 @@
           <a:p>
             <a:fld id="{DF61EA0F-A667-4B49-8422-0062BC55E249}" type="slidenum">
               <a:rPr lang="en-US" smtClean="0"/>
-              <a:t>10</a:t>
             </a:fld>
             <a:endParaRPr lang="en-US" dirty="0"/>
           </a:p>
         </p:txBody>
       </p:sp>
     </p:spTree>
-    <p:extLst>
-      <p:ext uri="{BB962C8B-B14F-4D97-AF65-F5344CB8AC3E}">
-        <p14:creationId xmlns:p14="http://schemas.microsoft.com/office/powerpoint/2010/main" val="1860395276"/>
-      </p:ext>
-    </p:extLst>
   </p:cSld>
   <p:clrMapOvr>
     <a:masterClrMapping/>
@@ -951,11 +913,6 @@
         </p:txBody>
       </p:sp>
     </p:spTree>
-    <p:extLst>
-      <p:ext uri="{BB962C8B-B14F-4D97-AF65-F5344CB8AC3E}">
-        <p14:creationId xmlns:p14="http://schemas.microsoft.com/office/powerpoint/2010/main" val="1718549498"/>
-      </p:ext>
-    </p:extLst>
   </p:cSld>
   <p:clrMapOvr>
     <a:masterClrMapping/>
@@ -1190,6 +1147,7 @@
               <a:rPr lang="en-US"/>
               <a:t>Click to edit Master text styles</a:t>
             </a:r>
+            <a:endParaRPr lang="en-US"/>
           </a:p>
           <a:p>
             <a:pPr marL="0" lvl="1" indent="0">
@@ -1208,6 +1166,7 @@
               <a:rPr lang="en-US"/>
               <a:t>Second level</a:t>
             </a:r>
+            <a:endParaRPr lang="en-US"/>
           </a:p>
           <a:p>
             <a:pPr marL="0" lvl="2" indent="0">
@@ -1226,6 +1185,7 @@
               <a:rPr lang="en-US"/>
               <a:t>Third level</a:t>
             </a:r>
+            <a:endParaRPr lang="en-US"/>
           </a:p>
           <a:p>
             <a:pPr marL="0" lvl="3" indent="0">
@@ -1244,6 +1204,7 @@
               <a:rPr lang="en-US"/>
               <a:t>Fourth level</a:t>
             </a:r>
+            <a:endParaRPr lang="en-US"/>
           </a:p>
           <a:p>
             <a:pPr marL="0" lvl="4" indent="0">
@@ -1302,8 +1263,6 @@
           <a:p>
             <a:fld id="{8BEEBAAA-29B5-4AF5-BC5F-7E580C29002D}" type="datetimeFigureOut">
               <a:rPr lang="en-US" smtClean="0"/>
-              <a:pPr/>
-              <a:t>6/10/2019</a:t>
             </a:fld>
             <a:endParaRPr lang="en-US" dirty="0"/>
           </a:p>
@@ -1383,19 +1342,12 @@
           <a:p>
             <a:fld id="{9860EDB8-5305-433F-BE41-D7A86D811DB3}" type="slidenum">
               <a:rPr lang="en-US" smtClean="0"/>
-              <a:pPr/>
-              <a:t>‹N›</a:t>
             </a:fld>
             <a:endParaRPr lang="en-US" dirty="0"/>
           </a:p>
         </p:txBody>
       </p:sp>
     </p:spTree>
-    <p:extLst>
-      <p:ext uri="{BB962C8B-B14F-4D97-AF65-F5344CB8AC3E}">
-        <p14:creationId xmlns:p14="http://schemas.microsoft.com/office/powerpoint/2010/main" val="2185836540"/>
-      </p:ext>
-    </p:extLst>
   </p:cSld>
   <p:clrMapOvr>
     <a:masterClrMapping/>
@@ -1640,6 +1592,7 @@
               <a:rPr lang="en-US"/>
               <a:t>Click to edit Master text styles</a:t>
             </a:r>
+            <a:endParaRPr lang="en-US"/>
           </a:p>
           <a:p>
             <a:pPr marL="0" lvl="1" indent="0">
@@ -1658,6 +1611,7 @@
               <a:rPr lang="en-US"/>
               <a:t>Second level</a:t>
             </a:r>
+            <a:endParaRPr lang="en-US"/>
           </a:p>
           <a:p>
             <a:pPr marL="0" lvl="2" indent="0">
@@ -1676,6 +1630,7 @@
               <a:rPr lang="en-US"/>
               <a:t>Third level</a:t>
             </a:r>
+            <a:endParaRPr lang="en-US"/>
           </a:p>
           <a:p>
             <a:pPr marL="0" lvl="3" indent="0">
@@ -1694,6 +1649,7 @@
               <a:rPr lang="en-US"/>
               <a:t>Fourth level</a:t>
             </a:r>
+            <a:endParaRPr lang="en-US"/>
           </a:p>
           <a:p>
             <a:pPr marL="0" lvl="4" indent="0">
@@ -1717,11 +1673,6 @@
         </p:txBody>
       </p:sp>
     </p:spTree>
-    <p:extLst>
-      <p:ext uri="{BB962C8B-B14F-4D97-AF65-F5344CB8AC3E}">
-        <p14:creationId xmlns:p14="http://schemas.microsoft.com/office/powerpoint/2010/main" val="1335655537"/>
-      </p:ext>
-    </p:extLst>
   </p:cSld>
   <p:clrMapOvr>
     <a:masterClrMapping/>
@@ -1860,6 +1811,7 @@
               <a:rPr lang="en-US"/>
               <a:t>Click to edit Master text styles</a:t>
             </a:r>
+            <a:endParaRPr lang="en-US"/>
           </a:p>
           <a:p>
             <a:pPr lvl="1"/>
@@ -1867,6 +1819,7 @@
               <a:rPr lang="en-US"/>
               <a:t>Second level</a:t>
             </a:r>
+            <a:endParaRPr lang="en-US"/>
           </a:p>
           <a:p>
             <a:pPr lvl="2"/>
@@ -1874,6 +1827,7 @@
               <a:rPr lang="en-US"/>
               <a:t>Third level</a:t>
             </a:r>
+            <a:endParaRPr lang="en-US"/>
           </a:p>
           <a:p>
             <a:pPr lvl="3"/>
@@ -1881,6 +1835,7 @@
               <a:rPr lang="en-US"/>
               <a:t>Fourth level</a:t>
             </a:r>
+            <a:endParaRPr lang="en-US"/>
           </a:p>
           <a:p>
             <a:pPr lvl="4"/>
@@ -1928,8 +1883,6 @@
           <a:p>
             <a:fld id="{8BEEBAAA-29B5-4AF5-BC5F-7E580C29002D}" type="datetimeFigureOut">
               <a:rPr lang="en-US" smtClean="0"/>
-              <a:pPr/>
-              <a:t>6/10/2019</a:t>
             </a:fld>
             <a:endParaRPr lang="en-US" dirty="0"/>
           </a:p>
@@ -2009,8 +1962,6 @@
           <a:p>
             <a:fld id="{9860EDB8-5305-433F-BE41-D7A86D811DB3}" type="slidenum">
               <a:rPr lang="en-US" smtClean="0"/>
-              <a:pPr/>
-              <a:t>‹N›</a:t>
             </a:fld>
             <a:endParaRPr lang="en-US" dirty="0"/>
           </a:p>
@@ -2052,17 +2003,12 @@
         </p:style>
       </p:cxnSp>
     </p:spTree>
-    <p:extLst>
-      <p:ext uri="{BB962C8B-B14F-4D97-AF65-F5344CB8AC3E}">
-        <p14:creationId xmlns:p14="http://schemas.microsoft.com/office/powerpoint/2010/main" val="946754946"/>
-      </p:ext>
-    </p:extLst>
   </p:cSld>
   <p:clrMap bg1="lt1" tx1="dk1" bg2="lt2" tx2="dk2" accent1="accent1" accent2="accent2" accent3="accent3" accent4="accent4" accent5="accent5" accent6="accent6" hlink="hlink" folHlink="folHlink"/>
   <p:sldLayoutIdLst>
-    <p:sldLayoutId id="2147483661" r:id="rId1"/>
-    <p:sldLayoutId id="2147483662" r:id="rId2"/>
-    <p:sldLayoutId id="2147483663" r:id="rId3"/>
+    <p:sldLayoutId id="2147483649" r:id="rId1"/>
+    <p:sldLayoutId id="2147483650" r:id="rId2"/>
+    <p:sldLayoutId id="2147483651" r:id="rId3"/>
   </p:sldLayoutIdLst>
   <p:txStyles>
     <p:titleStyle>
@@ -2113,7 +2059,7 @@
         <a:spcAft>
           <a:spcPts val="1200"/>
         </a:spcAft>
-        <a:buFont typeface="Arial" panose="020B0604020202020204" pitchFamily="34" charset="0"/>
+        <a:buFont typeface="Arial" panose="020B0604020202090204" pitchFamily="34" charset="0"/>
         <a:buChar char="•"/>
         <a:defRPr lang="en-US" sz="1200" kern="1200" dirty="0">
           <a:solidFill>
@@ -2134,7 +2080,7 @@
         <a:spcAft>
           <a:spcPts val="1200"/>
         </a:spcAft>
-        <a:buFont typeface="Arial" panose="020B0604020202020204" pitchFamily="34" charset="0"/>
+        <a:buFont typeface="Arial" panose="020B0604020202090204" pitchFamily="34" charset="0"/>
         <a:buChar char="•"/>
         <a:defRPr lang="en-US" sz="1200" kern="1200" dirty="0">
           <a:solidFill>
@@ -2155,7 +2101,7 @@
         <a:spcAft>
           <a:spcPts val="1200"/>
         </a:spcAft>
-        <a:buFont typeface="Arial" panose="020B0604020202020204" pitchFamily="34" charset="0"/>
+        <a:buFont typeface="Arial" panose="020B0604020202090204" pitchFamily="34" charset="0"/>
         <a:buChar char="•"/>
         <a:defRPr lang="en-US" sz="1200" kern="1200" dirty="0" smtClean="0">
           <a:solidFill>
@@ -2176,7 +2122,7 @@
         <a:spcAft>
           <a:spcPts val="1200"/>
         </a:spcAft>
-        <a:buFont typeface="Arial" panose="020B0604020202020204" pitchFamily="34" charset="0"/>
+        <a:buFont typeface="Arial" panose="020B0604020202090204" pitchFamily="34" charset="0"/>
         <a:buChar char="•"/>
         <a:defRPr lang="en-US" sz="1200" kern="1200" dirty="0" smtClean="0">
           <a:solidFill>
@@ -2197,7 +2143,7 @@
         <a:spcAft>
           <a:spcPts val="1200"/>
         </a:spcAft>
-        <a:buFont typeface="Arial" panose="020B0604020202020204" pitchFamily="34" charset="0"/>
+        <a:buFont typeface="Arial" panose="020B0604020202090204" pitchFamily="34" charset="0"/>
         <a:buChar char="•"/>
         <a:defRPr lang="en-US" sz="1200" kern="1200" dirty="0" smtClean="0">
           <a:solidFill>
@@ -2218,7 +2164,7 @@
         <a:spcAft>
           <a:spcPts val="1200"/>
         </a:spcAft>
-        <a:buFont typeface="Arial" panose="020B0604020202020204" pitchFamily="34" charset="0"/>
+        <a:buFont typeface="Arial" panose="020B0604020202090204" pitchFamily="34" charset="0"/>
         <a:buChar char="•"/>
         <a:defRPr lang="en-US" sz="1200" kern="1200" dirty="0" smtClean="0">
           <a:solidFill>
@@ -2239,7 +2185,7 @@
         <a:spcAft>
           <a:spcPts val="1200"/>
         </a:spcAft>
-        <a:buFont typeface="Arial" panose="020B0604020202020204" pitchFamily="34" charset="0"/>
+        <a:buFont typeface="Arial" panose="020B0604020202090204" pitchFamily="34" charset="0"/>
         <a:buChar char="•"/>
         <a:defRPr lang="en-US" sz="1200" kern="1200" dirty="0" smtClean="0">
           <a:solidFill>
@@ -2257,7 +2203,7 @@
         <a:spcBef>
           <a:spcPct val="30000"/>
         </a:spcBef>
-        <a:buFont typeface="Arial" panose="020B0604020202020204" pitchFamily="34" charset="0"/>
+        <a:buFont typeface="Arial" panose="020B0604020202090204" pitchFamily="34" charset="0"/>
         <a:buNone/>
         <a:defRPr sz="1200" kern="1200">
           <a:solidFill>
@@ -2457,18 +2403,18 @@
               </a:rPr>
               <a:t>Android food delivery APP</a:t>
             </a:r>
+            <a:endParaRPr lang="en-US" sz="2400" dirty="0">
+              <a:solidFill>
+                <a:schemeClr val="bg1"/>
+              </a:solidFill>
+              <a:latin typeface="+mj-lt"/>
+            </a:endParaRPr>
           </a:p>
         </p:txBody>
       </p:sp>
       <p:sp>
         <p:nvSpPr>
-          <p:cNvPr id="5" name="TextBox 4">
-            <a:extLst>
-              <a:ext uri="{FF2B5EF4-FFF2-40B4-BE49-F238E27FC236}">
-                <a16:creationId xmlns:a16="http://schemas.microsoft.com/office/drawing/2014/main" id="{ACAA5FA4-270A-49B9-990A-CCFC53B7C393}"/>
-              </a:ext>
-            </a:extLst>
-          </p:cNvPr>
+          <p:cNvPr id="5" name="TextBox 4"/>
           <p:cNvSpPr txBox="1"/>
           <p:nvPr/>
         </p:nvSpPr>
@@ -2496,8 +2442,6 @@
               </a:rPr>
               <a:t>Mobile Application Development</a:t>
             </a:r>
-          </a:p>
-          <a:p>
             <a:endParaRPr lang="en-GB" dirty="0">
               <a:solidFill>
                 <a:schemeClr val="bg1"/>
@@ -2505,6 +2449,13 @@
             </a:endParaRPr>
           </a:p>
           <a:p>
+            <a:endParaRPr lang="en-GB" dirty="0">
+              <a:solidFill>
+                <a:schemeClr val="bg1"/>
+              </a:solidFill>
+            </a:endParaRPr>
+          </a:p>
+          <a:p>
             <a:r>
               <a:rPr lang="en-GB" dirty="0">
                 <a:solidFill>
@@ -2528,6 +2479,11 @@
               </a:rPr>
               <a:t>Davide Gallotti</a:t>
             </a:r>
+            <a:endParaRPr lang="it-IT" dirty="0">
+              <a:solidFill>
+                <a:schemeClr val="bg1"/>
+              </a:solidFill>
+            </a:endParaRPr>
           </a:p>
           <a:p>
             <a:r>
@@ -2538,6 +2494,11 @@
               </a:rPr>
               <a:t>Federico Gianno</a:t>
             </a:r>
+            <a:endParaRPr lang="it-IT" dirty="0">
+              <a:solidFill>
+                <a:schemeClr val="bg1"/>
+              </a:solidFill>
+            </a:endParaRPr>
           </a:p>
           <a:p>
             <a:r>
@@ -2548,6 +2509,11 @@
               </a:rPr>
               <a:t>Marco Longo</a:t>
             </a:r>
+            <a:endParaRPr lang="it-IT" dirty="0">
+              <a:solidFill>
+                <a:schemeClr val="bg1"/>
+              </a:solidFill>
+            </a:endParaRPr>
           </a:p>
           <a:p>
             <a:r>
@@ -2558,15 +2524,15 @@
               </a:rPr>
               <a:t>Carlo Negri</a:t>
             </a:r>
+            <a:endParaRPr lang="it-IT" dirty="0">
+              <a:solidFill>
+                <a:schemeClr val="bg1"/>
+              </a:solidFill>
+            </a:endParaRPr>
           </a:p>
         </p:txBody>
       </p:sp>
     </p:spTree>
-    <p:extLst>
-      <p:ext uri="{BB962C8B-B14F-4D97-AF65-F5344CB8AC3E}">
-        <p14:creationId xmlns:p14="http://schemas.microsoft.com/office/powerpoint/2010/main" val="2471807738"/>
-      </p:ext>
-    </p:extLst>
   </p:cSld>
   <p:clrMapOvr>
     <a:masterClrMapping/>
@@ -2622,15 +2588,15 @@
               </a:rPr>
               <a:t>THANKS FOR ATTENTION</a:t>
             </a:r>
+            <a:endParaRPr lang="en-US" sz="4800" b="1" dirty="0">
+              <a:solidFill>
+                <a:schemeClr val="bg1"/>
+              </a:solidFill>
+            </a:endParaRPr>
           </a:p>
         </p:txBody>
       </p:sp>
     </p:spTree>
-    <p:extLst>
-      <p:ext uri="{BB962C8B-B14F-4D97-AF65-F5344CB8AC3E}">
-        <p14:creationId xmlns:p14="http://schemas.microsoft.com/office/powerpoint/2010/main" val="2185676365"/>
-      </p:ext>
-    </p:extLst>
   </p:cSld>
   <p:clrMapOvr>
     <a:masterClrMapping/>
@@ -2679,15 +2645,17 @@
               </a:rPr>
               <a:t>Login and Sign Up</a:t>
             </a:r>
+            <a:endParaRPr lang="en-US" dirty="0">
+              <a:latin typeface="Segoe UI Light" panose="020B0502040204020203" pitchFamily="34" charset="0"/>
+              <a:cs typeface="Segoe UI Light" panose="020B0502040204020203" pitchFamily="34" charset="0"/>
+            </a:endParaRPr>
           </a:p>
         </p:txBody>
       </p:sp>
       <p:sp>
         <p:nvSpPr>
           <p:cNvPr id="38" name="Content Placeholder 17"/>
-          <p:cNvSpPr txBox="1">
-            <a:spLocks/>
-          </p:cNvSpPr>
+          <p:cNvSpPr txBox="1"/>
           <p:nvPr/>
         </p:nvSpPr>
         <p:spPr>
@@ -2714,7 +2682,7 @@
               <a:spcAft>
                 <a:spcPts val="1000"/>
               </a:spcAft>
-              <a:buFont typeface="Arial" panose="020B0604020202020204" pitchFamily="34" charset="0"/>
+              <a:buFont typeface="Arial" panose="020B0604020202090204" pitchFamily="34" charset="0"/>
               <a:buChar char="•"/>
               <a:defRPr lang="en-US" sz="1200" kern="1200" smtClean="0">
                 <a:solidFill>
@@ -2738,7 +2706,7 @@
               <a:spcAft>
                 <a:spcPts val="1000"/>
               </a:spcAft>
-              <a:buFont typeface="Arial" panose="020B0604020202020204" pitchFamily="34" charset="0"/>
+              <a:buFont typeface="Arial" panose="020B0604020202090204" pitchFamily="34" charset="0"/>
               <a:buChar char="•"/>
               <a:defRPr lang="en-US" sz="1200" kern="1200" smtClean="0">
                 <a:solidFill>
@@ -2762,7 +2730,7 @@
               <a:spcAft>
                 <a:spcPts val="1000"/>
               </a:spcAft>
-              <a:buFont typeface="Arial" panose="020B0604020202020204" pitchFamily="34" charset="0"/>
+              <a:buFont typeface="Arial" panose="020B0604020202090204" pitchFamily="34" charset="0"/>
               <a:buChar char="•"/>
               <a:defRPr lang="en-US" sz="1200" kern="1200" smtClean="0">
                 <a:solidFill>
@@ -2786,7 +2754,7 @@
               <a:spcAft>
                 <a:spcPts val="1000"/>
               </a:spcAft>
-              <a:buFont typeface="Arial" panose="020B0604020202020204" pitchFamily="34" charset="0"/>
+              <a:buFont typeface="Arial" panose="020B0604020202090204" pitchFamily="34" charset="0"/>
               <a:buChar char="•"/>
               <a:defRPr lang="en-US" sz="1200" kern="1200" smtClean="0">
                 <a:solidFill>
@@ -2810,7 +2778,7 @@
               <a:spcAft>
                 <a:spcPts val="1000"/>
               </a:spcAft>
-              <a:buFont typeface="Arial" panose="020B0604020202020204" pitchFamily="34" charset="0"/>
+              <a:buFont typeface="Arial" panose="020B0604020202090204" pitchFamily="34" charset="0"/>
               <a:buChar char="•"/>
               <a:defRPr lang="en-US" sz="1200" kern="1200">
                 <a:solidFill>
@@ -2831,7 +2799,7 @@
               <a:spcBef>
                 <a:spcPct val="30000"/>
               </a:spcBef>
-              <a:buFont typeface="Arial" panose="020B0604020202020204" pitchFamily="34" charset="0"/>
+              <a:buFont typeface="Arial" panose="020B0604020202090204" pitchFamily="34" charset="0"/>
               <a:buChar char="•"/>
               <a:defRPr sz="1800" kern="1200">
                 <a:solidFill>
@@ -2849,7 +2817,7 @@
               <a:spcBef>
                 <a:spcPct val="30000"/>
               </a:spcBef>
-              <a:buFont typeface="Arial" panose="020B0604020202020204" pitchFamily="34" charset="0"/>
+              <a:buFont typeface="Arial" panose="020B0604020202090204" pitchFamily="34" charset="0"/>
               <a:buChar char="•"/>
               <a:defRPr sz="1800" kern="1200">
                 <a:solidFill>
@@ -2867,7 +2835,7 @@
               <a:spcBef>
                 <a:spcPct val="30000"/>
               </a:spcBef>
-              <a:buFont typeface="Arial" panose="020B0604020202020204" pitchFamily="34" charset="0"/>
+              <a:buFont typeface="Arial" panose="020B0604020202090204" pitchFamily="34" charset="0"/>
               <a:buChar char="•"/>
               <a:defRPr sz="1800" kern="1200">
                 <a:solidFill>
@@ -2885,7 +2853,7 @@
               <a:spcBef>
                 <a:spcPct val="30000"/>
               </a:spcBef>
-              <a:buFont typeface="Arial" panose="020B0604020202020204" pitchFamily="34" charset="0"/>
+              <a:buFont typeface="Arial" panose="020B0604020202090204" pitchFamily="34" charset="0"/>
               <a:buChar char="•"/>
               <a:defRPr sz="1800" kern="1200">
                 <a:solidFill>
@@ -2919,6 +2887,10 @@
               </a:rPr>
               <a:t> is an android app to manage all the food delivering process.</a:t>
             </a:r>
+            <a:endParaRPr lang="en-US" sz="1400" dirty="0">
+              <a:latin typeface="Segoe UI" panose="020B0502040204020203" pitchFamily="34" charset="0"/>
+              <a:cs typeface="Segoe UI" panose="020B0502040204020203" pitchFamily="34" charset="0"/>
+            </a:endParaRPr>
           </a:p>
           <a:p>
             <a:pPr marL="0" lvl="0" indent="0" algn="just">
@@ -2954,6 +2926,16 @@
               </a:rPr>
               <a:t>:</a:t>
             </a:r>
+            <a:endParaRPr lang="it-IT" sz="1400" dirty="0">
+              <a:solidFill>
+                <a:prstClr val="black">
+                  <a:lumMod val="75000"/>
+                  <a:lumOff val="25000"/>
+                </a:prstClr>
+              </a:solidFill>
+              <a:latin typeface="Segoe UI" panose="020B0502040204020203" pitchFamily="34" charset="0"/>
+              <a:cs typeface="Segoe UI" panose="020B0502040204020203" pitchFamily="34" charset="0"/>
+            </a:endParaRPr>
           </a:p>
           <a:p>
             <a:pPr lvl="0" algn="just">
@@ -2976,29 +2958,6 @@
                 <a:cs typeface="Segoe UI" panose="020B0502040204020203" pitchFamily="34" charset="0"/>
               </a:rPr>
               <a:t>Customer </a:t>
-            </a:r>
-          </a:p>
-          <a:p>
-            <a:pPr lvl="0" algn="just">
-              <a:spcAft>
-                <a:spcPts val="600"/>
-              </a:spcAft>
-              <a:buFont typeface="Wingdings" panose="05000000000000000000" pitchFamily="2" charset="2"/>
-              <a:buChar char="§"/>
-              <a:defRPr/>
-            </a:pPr>
-            <a:r>
-              <a:rPr lang="it-IT" sz="1400" b="1" dirty="0" err="1">
-                <a:solidFill>
-                  <a:prstClr val="black">
-                    <a:lumMod val="75000"/>
-                    <a:lumOff val="25000"/>
-                  </a:prstClr>
-                </a:solidFill>
-                <a:latin typeface="Segoe UI" panose="020B0502040204020203" pitchFamily="34" charset="0"/>
-                <a:cs typeface="Segoe UI" panose="020B0502040204020203" pitchFamily="34" charset="0"/>
-              </a:rPr>
-              <a:t>Restaurateur</a:t>
             </a:r>
             <a:endParaRPr lang="it-IT" sz="1400" b="1" dirty="0">
               <a:solidFill>
@@ -3031,7 +2990,7 @@
                 <a:latin typeface="Segoe UI" panose="020B0502040204020203" pitchFamily="34" charset="0"/>
                 <a:cs typeface="Segoe UI" panose="020B0502040204020203" pitchFamily="34" charset="0"/>
               </a:rPr>
-              <a:t>Riders</a:t>
+              <a:t>Restaurateur</a:t>
             </a:r>
             <a:endParaRPr lang="it-IT" sz="1400" b="1" dirty="0">
               <a:solidFill>
@@ -3045,6 +3004,39 @@
             </a:endParaRPr>
           </a:p>
           <a:p>
+            <a:pPr lvl="0" algn="just">
+              <a:spcAft>
+                <a:spcPts val="600"/>
+              </a:spcAft>
+              <a:buFont typeface="Wingdings" panose="05000000000000000000" pitchFamily="2" charset="2"/>
+              <a:buChar char="§"/>
+              <a:defRPr/>
+            </a:pPr>
+            <a:r>
+              <a:rPr lang="it-IT" sz="1400" b="1" dirty="0" err="1">
+                <a:solidFill>
+                  <a:prstClr val="black">
+                    <a:lumMod val="75000"/>
+                    <a:lumOff val="25000"/>
+                  </a:prstClr>
+                </a:solidFill>
+                <a:latin typeface="Segoe UI" panose="020B0502040204020203" pitchFamily="34" charset="0"/>
+                <a:cs typeface="Segoe UI" panose="020B0502040204020203" pitchFamily="34" charset="0"/>
+              </a:rPr>
+              <a:t>Riders</a:t>
+            </a:r>
+            <a:endParaRPr lang="it-IT" sz="1400" b="1" dirty="0">
+              <a:solidFill>
+                <a:prstClr val="black">
+                  <a:lumMod val="75000"/>
+                  <a:lumOff val="25000"/>
+                </a:prstClr>
+              </a:solidFill>
+              <a:latin typeface="Segoe UI" panose="020B0502040204020203" pitchFamily="34" charset="0"/>
+              <a:cs typeface="Segoe UI" panose="020B0502040204020203" pitchFamily="34" charset="0"/>
+            </a:endParaRPr>
+          </a:p>
+          <a:p>
             <a:pPr marL="0" lvl="0" indent="0" algn="just">
               <a:spcAft>
                 <a:spcPts val="600"/>
@@ -3208,6 +3200,16 @@
               </a:rPr>
               <a:t>. </a:t>
             </a:r>
+            <a:endParaRPr lang="it-IT" sz="1400" dirty="0">
+              <a:solidFill>
+                <a:prstClr val="black">
+                  <a:lumMod val="75000"/>
+                  <a:lumOff val="25000"/>
+                </a:prstClr>
+              </a:solidFill>
+              <a:latin typeface="Segoe UI" panose="020B0502040204020203" pitchFamily="34" charset="0"/>
+              <a:cs typeface="Segoe UI" panose="020B0502040204020203" pitchFamily="34" charset="0"/>
+            </a:endParaRPr>
           </a:p>
           <a:p>
             <a:pPr marL="0" lvl="0" indent="0" algn="just">
@@ -3425,25 +3427,29 @@
               </a:rPr>
               <a:t> Authentication Database.</a:t>
             </a:r>
+            <a:endParaRPr lang="it-IT" sz="1400" dirty="0">
+              <a:solidFill>
+                <a:prstClr val="black">
+                  <a:lumMod val="75000"/>
+                  <a:lumOff val="25000"/>
+                </a:prstClr>
+              </a:solidFill>
+              <a:latin typeface="Segoe UI" panose="020B0502040204020203" pitchFamily="34" charset="0"/>
+              <a:cs typeface="Segoe UI" panose="020B0502040204020203" pitchFamily="34" charset="0"/>
+            </a:endParaRPr>
           </a:p>
         </p:txBody>
       </p:sp>
       <p:pic>
         <p:nvPicPr>
-          <p:cNvPr id="3" name="Picture 2" descr="A screenshot of a cell phone&#10;&#10;Description automatically generated">
-            <a:extLst>
-              <a:ext uri="{FF2B5EF4-FFF2-40B4-BE49-F238E27FC236}">
-                <a16:creationId xmlns:a16="http://schemas.microsoft.com/office/drawing/2014/main" id="{4CF64BD0-BB50-43D2-818F-7F452E936817}"/>
-              </a:ext>
-            </a:extLst>
-          </p:cNvPr>
+          <p:cNvPr id="3" name="Picture 2" descr="A screenshot of a cell phone&#10;&#10;Description automatically generated"/>
           <p:cNvPicPr>
             <a:picLocks noChangeAspect="1"/>
           </p:cNvPicPr>
           <p:nvPr/>
         </p:nvPicPr>
         <p:blipFill>
-          <a:blip r:embed="rId2" cstate="print">
+          <a:blip r:embed="rId1" cstate="print">
             <a:extLst>
               <a:ext uri="{28A0092B-C50C-407E-A947-70E740481C1C}">
                 <a14:useLocalDpi xmlns:a14="http://schemas.microsoft.com/office/drawing/2010/main" val="0"/>
@@ -3466,20 +3472,14 @@
       </p:pic>
       <p:pic>
         <p:nvPicPr>
-          <p:cNvPr id="6" name="Picture 5" descr="A screenshot of a cell phone&#10;&#10;Description automatically generated">
-            <a:extLst>
-              <a:ext uri="{FF2B5EF4-FFF2-40B4-BE49-F238E27FC236}">
-                <a16:creationId xmlns:a16="http://schemas.microsoft.com/office/drawing/2014/main" id="{EF4AB120-CA08-4542-9B40-B955F9183ED7}"/>
-              </a:ext>
-            </a:extLst>
-          </p:cNvPr>
+          <p:cNvPr id="6" name="Picture 5" descr="A screenshot of a cell phone&#10;&#10;Description automatically generated"/>
           <p:cNvPicPr>
             <a:picLocks noChangeAspect="1"/>
           </p:cNvPicPr>
           <p:nvPr/>
         </p:nvPicPr>
         <p:blipFill>
-          <a:blip r:embed="rId3" cstate="print">
+          <a:blip r:embed="rId2" cstate="print">
             <a:extLst>
               <a:ext uri="{28A0092B-C50C-407E-A947-70E740481C1C}">
                 <a14:useLocalDpi xmlns:a14="http://schemas.microsoft.com/office/drawing/2010/main" val="0"/>
@@ -3502,13 +3502,7 @@
       </p:pic>
       <p:cxnSp>
         <p:nvCxnSpPr>
-          <p:cNvPr id="9" name="Straight Connector 8" descr="Light grey line separating Morph text and images">
-            <a:extLst>
-              <a:ext uri="{FF2B5EF4-FFF2-40B4-BE49-F238E27FC236}">
-                <a16:creationId xmlns:a16="http://schemas.microsoft.com/office/drawing/2014/main" id="{CF371985-F171-4475-99B5-A37B1B5F6EE3}"/>
-              </a:ext>
-            </a:extLst>
-          </p:cNvPr>
+          <p:cNvPr id="9" name="Straight Connector 8" descr="Light grey line separating Morph text and images"/>
           <p:cNvCxnSpPr/>
           <p:nvPr/>
         </p:nvCxnSpPr>
@@ -3544,20 +3538,15 @@
         </p:style>
       </p:cxnSp>
     </p:spTree>
-    <p:extLst>
-      <p:ext uri="{BB962C8B-B14F-4D97-AF65-F5344CB8AC3E}">
-        <p14:creationId xmlns:p14="http://schemas.microsoft.com/office/powerpoint/2010/main" val="3457616166"/>
-      </p:ext>
-    </p:extLst>
   </p:cSld>
   <p:clrMapOvr>
     <a:masterClrMapping/>
   </p:clrMapOvr>
-  <mc:AlternateContent xmlns:mc="http://schemas.openxmlformats.org/markup-compatibility/2006" xmlns:p14="http://schemas.microsoft.com/office/powerpoint/2010/main">
-    <mc:Choice Requires="p14">
+  <mc:AlternateContent xmlns:mc="http://schemas.openxmlformats.org/markup-compatibility/2006">
+    <mc:Choice xmlns:p14="http://schemas.microsoft.com/office/powerpoint/2010/main" Requires="p14">
       <p:transition p14:dur="10"/>
     </mc:Choice>
-    <mc:Fallback xmlns="">
+    <mc:Fallback>
       <p:transition/>
     </mc:Fallback>
   </mc:AlternateContent>
@@ -3605,15 +3594,17 @@
               </a:rPr>
               <a:t>Customer</a:t>
             </a:r>
+            <a:endParaRPr lang="en-US" dirty="0">
+              <a:latin typeface="Segoe UI Light" panose="020B0502040204020203" pitchFamily="34" charset="0"/>
+              <a:cs typeface="Segoe UI Light" panose="020B0502040204020203" pitchFamily="34" charset="0"/>
+            </a:endParaRPr>
           </a:p>
         </p:txBody>
       </p:sp>
       <p:sp>
         <p:nvSpPr>
           <p:cNvPr id="25" name="Content Placeholder 17"/>
-          <p:cNvSpPr txBox="1">
-            <a:spLocks/>
-          </p:cNvSpPr>
+          <p:cNvSpPr txBox="1"/>
           <p:nvPr/>
         </p:nvSpPr>
         <p:spPr>
@@ -3640,7 +3631,7 @@
               <a:spcAft>
                 <a:spcPts val="1000"/>
               </a:spcAft>
-              <a:buFont typeface="Arial" panose="020B0604020202020204" pitchFamily="34" charset="0"/>
+              <a:buFont typeface="Arial" panose="020B0604020202090204" pitchFamily="34" charset="0"/>
               <a:buChar char="•"/>
               <a:defRPr lang="en-US" sz="1200" kern="1200" smtClean="0">
                 <a:solidFill>
@@ -3664,7 +3655,7 @@
               <a:spcAft>
                 <a:spcPts val="1000"/>
               </a:spcAft>
-              <a:buFont typeface="Arial" panose="020B0604020202020204" pitchFamily="34" charset="0"/>
+              <a:buFont typeface="Arial" panose="020B0604020202090204" pitchFamily="34" charset="0"/>
               <a:buChar char="•"/>
               <a:defRPr lang="en-US" sz="1200" kern="1200" smtClean="0">
                 <a:solidFill>
@@ -3688,7 +3679,7 @@
               <a:spcAft>
                 <a:spcPts val="1000"/>
               </a:spcAft>
-              <a:buFont typeface="Arial" panose="020B0604020202020204" pitchFamily="34" charset="0"/>
+              <a:buFont typeface="Arial" panose="020B0604020202090204" pitchFamily="34" charset="0"/>
               <a:buChar char="•"/>
               <a:defRPr lang="en-US" sz="1200" kern="1200" smtClean="0">
                 <a:solidFill>
@@ -3712,7 +3703,7 @@
               <a:spcAft>
                 <a:spcPts val="1000"/>
               </a:spcAft>
-              <a:buFont typeface="Arial" panose="020B0604020202020204" pitchFamily="34" charset="0"/>
+              <a:buFont typeface="Arial" panose="020B0604020202090204" pitchFamily="34" charset="0"/>
               <a:buChar char="•"/>
               <a:defRPr lang="en-US" sz="1200" kern="1200" smtClean="0">
                 <a:solidFill>
@@ -3736,7 +3727,7 @@
               <a:spcAft>
                 <a:spcPts val="1000"/>
               </a:spcAft>
-              <a:buFont typeface="Arial" panose="020B0604020202020204" pitchFamily="34" charset="0"/>
+              <a:buFont typeface="Arial" panose="020B0604020202090204" pitchFamily="34" charset="0"/>
               <a:buChar char="•"/>
               <a:defRPr lang="en-US" sz="1200" kern="1200">
                 <a:solidFill>
@@ -3757,7 +3748,7 @@
               <a:spcBef>
                 <a:spcPct val="30000"/>
               </a:spcBef>
-              <a:buFont typeface="Arial" panose="020B0604020202020204" pitchFamily="34" charset="0"/>
+              <a:buFont typeface="Arial" panose="020B0604020202090204" pitchFamily="34" charset="0"/>
               <a:buChar char="•"/>
               <a:defRPr sz="1800" kern="1200">
                 <a:solidFill>
@@ -3775,7 +3766,7 @@
               <a:spcBef>
                 <a:spcPct val="30000"/>
               </a:spcBef>
-              <a:buFont typeface="Arial" panose="020B0604020202020204" pitchFamily="34" charset="0"/>
+              <a:buFont typeface="Arial" panose="020B0604020202090204" pitchFamily="34" charset="0"/>
               <a:buChar char="•"/>
               <a:defRPr sz="1800" kern="1200">
                 <a:solidFill>
@@ -3793,7 +3784,7 @@
               <a:spcBef>
                 <a:spcPct val="30000"/>
               </a:spcBef>
-              <a:buFont typeface="Arial" panose="020B0604020202020204" pitchFamily="34" charset="0"/>
+              <a:buFont typeface="Arial" panose="020B0604020202090204" pitchFamily="34" charset="0"/>
               <a:buChar char="•"/>
               <a:defRPr sz="1800" kern="1200">
                 <a:solidFill>
@@ -3811,7 +3802,7 @@
               <a:spcBef>
                 <a:spcPct val="30000"/>
               </a:spcBef>
-              <a:buFont typeface="Arial" panose="020B0604020202020204" pitchFamily="34" charset="0"/>
+              <a:buFont typeface="Arial" panose="020B0604020202090204" pitchFamily="34" charset="0"/>
               <a:buChar char="•"/>
               <a:defRPr sz="1800" kern="1200">
                 <a:solidFill>
@@ -3837,6 +3828,10 @@
               </a:rPr>
               <a:t>How it works:</a:t>
             </a:r>
+            <a:endParaRPr lang="en-US" sz="1400" dirty="0">
+              <a:latin typeface="Segoe UI" panose="020B0502040204020203" pitchFamily="34" charset="0"/>
+              <a:cs typeface="Segoe UI" panose="020B0502040204020203" pitchFamily="34" charset="0"/>
+            </a:endParaRPr>
           </a:p>
         </p:txBody>
       </p:sp>
@@ -3935,6 +3930,13 @@
                 </a:rPr>
                 <a:t>1</a:t>
               </a:r>
+              <a:endParaRPr lang="en-US" dirty="0">
+                <a:solidFill>
+                  <a:schemeClr val="bg1"/>
+                </a:solidFill>
+                <a:latin typeface="Segoe UI Semibold" panose="020B0702040204020203" pitchFamily="34" charset="0"/>
+                <a:cs typeface="Segoe UI Semibold" panose="020B0702040204020203" pitchFamily="34" charset="0"/>
+              </a:endParaRPr>
             </a:p>
           </p:txBody>
         </p:sp>
@@ -3942,9 +3944,7 @@
       <p:sp>
         <p:nvSpPr>
           <p:cNvPr id="21" name="Content Placeholder 17"/>
-          <p:cNvSpPr txBox="1">
-            <a:spLocks/>
-          </p:cNvSpPr>
+          <p:cNvSpPr txBox="1"/>
           <p:nvPr/>
         </p:nvSpPr>
         <p:spPr>
@@ -3971,7 +3971,7 @@
               <a:spcAft>
                 <a:spcPts val="1000"/>
               </a:spcAft>
-              <a:buFont typeface="Arial" panose="020B0604020202020204" pitchFamily="34" charset="0"/>
+              <a:buFont typeface="Arial" panose="020B0604020202090204" pitchFamily="34" charset="0"/>
               <a:buChar char="•"/>
               <a:defRPr lang="en-US" sz="1200" kern="1200" smtClean="0">
                 <a:solidFill>
@@ -3995,7 +3995,7 @@
               <a:spcAft>
                 <a:spcPts val="1000"/>
               </a:spcAft>
-              <a:buFont typeface="Arial" panose="020B0604020202020204" pitchFamily="34" charset="0"/>
+              <a:buFont typeface="Arial" panose="020B0604020202090204" pitchFamily="34" charset="0"/>
               <a:buChar char="•"/>
               <a:defRPr lang="en-US" sz="1200" kern="1200" smtClean="0">
                 <a:solidFill>
@@ -4019,7 +4019,7 @@
               <a:spcAft>
                 <a:spcPts val="1000"/>
               </a:spcAft>
-              <a:buFont typeface="Arial" panose="020B0604020202020204" pitchFamily="34" charset="0"/>
+              <a:buFont typeface="Arial" panose="020B0604020202090204" pitchFamily="34" charset="0"/>
               <a:buChar char="•"/>
               <a:defRPr lang="en-US" sz="1200" kern="1200" smtClean="0">
                 <a:solidFill>
@@ -4043,7 +4043,7 @@
               <a:spcAft>
                 <a:spcPts val="1000"/>
               </a:spcAft>
-              <a:buFont typeface="Arial" panose="020B0604020202020204" pitchFamily="34" charset="0"/>
+              <a:buFont typeface="Arial" panose="020B0604020202090204" pitchFamily="34" charset="0"/>
               <a:buChar char="•"/>
               <a:defRPr lang="en-US" sz="1200" kern="1200" smtClean="0">
                 <a:solidFill>
@@ -4067,7 +4067,7 @@
               <a:spcAft>
                 <a:spcPts val="1000"/>
               </a:spcAft>
-              <a:buFont typeface="Arial" panose="020B0604020202020204" pitchFamily="34" charset="0"/>
+              <a:buFont typeface="Arial" panose="020B0604020202090204" pitchFamily="34" charset="0"/>
               <a:buChar char="•"/>
               <a:defRPr lang="en-US" sz="1200" kern="1200">
                 <a:solidFill>
@@ -4088,7 +4088,7 @@
               <a:spcBef>
                 <a:spcPct val="30000"/>
               </a:spcBef>
-              <a:buFont typeface="Arial" panose="020B0604020202020204" pitchFamily="34" charset="0"/>
+              <a:buFont typeface="Arial" panose="020B0604020202090204" pitchFamily="34" charset="0"/>
               <a:buChar char="•"/>
               <a:defRPr sz="1800" kern="1200">
                 <a:solidFill>
@@ -4106,7 +4106,7 @@
               <a:spcBef>
                 <a:spcPct val="30000"/>
               </a:spcBef>
-              <a:buFont typeface="Arial" panose="020B0604020202020204" pitchFamily="34" charset="0"/>
+              <a:buFont typeface="Arial" panose="020B0604020202090204" pitchFamily="34" charset="0"/>
               <a:buChar char="•"/>
               <a:defRPr sz="1800" kern="1200">
                 <a:solidFill>
@@ -4124,7 +4124,7 @@
               <a:spcBef>
                 <a:spcPct val="30000"/>
               </a:spcBef>
-              <a:buFont typeface="Arial" panose="020B0604020202020204" pitchFamily="34" charset="0"/>
+              <a:buFont typeface="Arial" panose="020B0604020202090204" pitchFamily="34" charset="0"/>
               <a:buChar char="•"/>
               <a:defRPr sz="1800" kern="1200">
                 <a:solidFill>
@@ -4142,7 +4142,7 @@
               <a:spcBef>
                 <a:spcPct val="30000"/>
               </a:spcBef>
-              <a:buFont typeface="Arial" panose="020B0604020202020204" pitchFamily="34" charset="0"/>
+              <a:buFont typeface="Arial" panose="020B0604020202090204" pitchFamily="34" charset="0"/>
               <a:buChar char="•"/>
               <a:defRPr sz="1800" kern="1200">
                 <a:solidFill>
@@ -4308,6 +4308,13 @@
                 </a:rPr>
                 <a:t>2</a:t>
               </a:r>
+              <a:endParaRPr lang="en-US" dirty="0">
+                <a:solidFill>
+                  <a:schemeClr val="bg1"/>
+                </a:solidFill>
+                <a:latin typeface="Segoe UI Semibold" panose="020B0702040204020203" pitchFamily="34" charset="0"/>
+                <a:cs typeface="Segoe UI Semibold" panose="020B0702040204020203" pitchFamily="34" charset="0"/>
+              </a:endParaRPr>
             </a:p>
           </p:txBody>
         </p:sp>
@@ -4315,9 +4322,7 @@
       <p:sp>
         <p:nvSpPr>
           <p:cNvPr id="36" name="Content Placeholder 17"/>
-          <p:cNvSpPr txBox="1">
-            <a:spLocks/>
-          </p:cNvSpPr>
+          <p:cNvSpPr txBox="1"/>
           <p:nvPr/>
         </p:nvSpPr>
         <p:spPr>
@@ -4344,7 +4349,7 @@
               <a:spcAft>
                 <a:spcPts val="1000"/>
               </a:spcAft>
-              <a:buFont typeface="Arial" panose="020B0604020202020204" pitchFamily="34" charset="0"/>
+              <a:buFont typeface="Arial" panose="020B0604020202090204" pitchFamily="34" charset="0"/>
               <a:buChar char="•"/>
               <a:defRPr lang="en-US" sz="1200" kern="1200" smtClean="0">
                 <a:solidFill>
@@ -4368,7 +4373,7 @@
               <a:spcAft>
                 <a:spcPts val="1000"/>
               </a:spcAft>
-              <a:buFont typeface="Arial" panose="020B0604020202020204" pitchFamily="34" charset="0"/>
+              <a:buFont typeface="Arial" panose="020B0604020202090204" pitchFamily="34" charset="0"/>
               <a:buChar char="•"/>
               <a:defRPr lang="en-US" sz="1200" kern="1200" smtClean="0">
                 <a:solidFill>
@@ -4392,7 +4397,7 @@
               <a:spcAft>
                 <a:spcPts val="1000"/>
               </a:spcAft>
-              <a:buFont typeface="Arial" panose="020B0604020202020204" pitchFamily="34" charset="0"/>
+              <a:buFont typeface="Arial" panose="020B0604020202090204" pitchFamily="34" charset="0"/>
               <a:buChar char="•"/>
               <a:defRPr lang="en-US" sz="1200" kern="1200" smtClean="0">
                 <a:solidFill>
@@ -4416,7 +4421,7 @@
               <a:spcAft>
                 <a:spcPts val="1000"/>
               </a:spcAft>
-              <a:buFont typeface="Arial" panose="020B0604020202020204" pitchFamily="34" charset="0"/>
+              <a:buFont typeface="Arial" panose="020B0604020202090204" pitchFamily="34" charset="0"/>
               <a:buChar char="•"/>
               <a:defRPr lang="en-US" sz="1200" kern="1200" smtClean="0">
                 <a:solidFill>
@@ -4440,7 +4445,7 @@
               <a:spcAft>
                 <a:spcPts val="1000"/>
               </a:spcAft>
-              <a:buFont typeface="Arial" panose="020B0604020202020204" pitchFamily="34" charset="0"/>
+              <a:buFont typeface="Arial" panose="020B0604020202090204" pitchFamily="34" charset="0"/>
               <a:buChar char="•"/>
               <a:defRPr lang="en-US" sz="1200" kern="1200">
                 <a:solidFill>
@@ -4461,7 +4466,7 @@
               <a:spcBef>
                 <a:spcPct val="30000"/>
               </a:spcBef>
-              <a:buFont typeface="Arial" panose="020B0604020202020204" pitchFamily="34" charset="0"/>
+              <a:buFont typeface="Arial" panose="020B0604020202090204" pitchFamily="34" charset="0"/>
               <a:buChar char="•"/>
               <a:defRPr sz="1800" kern="1200">
                 <a:solidFill>
@@ -4479,7 +4484,7 @@
               <a:spcBef>
                 <a:spcPct val="30000"/>
               </a:spcBef>
-              <a:buFont typeface="Arial" panose="020B0604020202020204" pitchFamily="34" charset="0"/>
+              <a:buFont typeface="Arial" panose="020B0604020202090204" pitchFamily="34" charset="0"/>
               <a:buChar char="•"/>
               <a:defRPr sz="1800" kern="1200">
                 <a:solidFill>
@@ -4497,7 +4502,7 @@
               <a:spcBef>
                 <a:spcPct val="30000"/>
               </a:spcBef>
-              <a:buFont typeface="Arial" panose="020B0604020202020204" pitchFamily="34" charset="0"/>
+              <a:buFont typeface="Arial" panose="020B0604020202090204" pitchFamily="34" charset="0"/>
               <a:buChar char="•"/>
               <a:defRPr sz="1800" kern="1200">
                 <a:solidFill>
@@ -4515,7 +4520,7 @@
               <a:spcBef>
                 <a:spcPct val="30000"/>
               </a:spcBef>
-              <a:buFont typeface="Arial" panose="020B0604020202020204" pitchFamily="34" charset="0"/>
+              <a:buFont typeface="Arial" panose="020B0604020202090204" pitchFamily="34" charset="0"/>
               <a:buChar char="•"/>
               <a:defRPr sz="1800" kern="1200">
                 <a:solidFill>
@@ -4613,6 +4618,16 @@
               </a:rPr>
               <a:t>Review Rank.</a:t>
             </a:r>
+            <a:endParaRPr lang="en-US" sz="1400" b="1" dirty="0">
+              <a:solidFill>
+                <a:prstClr val="black">
+                  <a:lumMod val="75000"/>
+                  <a:lumOff val="25000"/>
+                </a:prstClr>
+              </a:solidFill>
+              <a:latin typeface="Segoe UI" panose="020B0502040204020203" pitchFamily="34" charset="0"/>
+              <a:cs typeface="Segoe UI" panose="020B0502040204020203" pitchFamily="34" charset="0"/>
+            </a:endParaRPr>
           </a:p>
         </p:txBody>
       </p:sp>
@@ -4711,6 +4726,13 @@
                 </a:rPr>
                 <a:t>3</a:t>
               </a:r>
+              <a:endParaRPr lang="en-US" dirty="0">
+                <a:solidFill>
+                  <a:schemeClr val="bg1"/>
+                </a:solidFill>
+                <a:latin typeface="Segoe UI Semibold" panose="020B0702040204020203" pitchFamily="34" charset="0"/>
+                <a:cs typeface="Segoe UI Semibold" panose="020B0702040204020203" pitchFamily="34" charset="0"/>
+              </a:endParaRPr>
             </a:p>
           </p:txBody>
         </p:sp>
@@ -4718,9 +4740,7 @@
       <p:sp>
         <p:nvSpPr>
           <p:cNvPr id="32" name="Content Placeholder 17"/>
-          <p:cNvSpPr txBox="1">
-            <a:spLocks/>
-          </p:cNvSpPr>
+          <p:cNvSpPr txBox="1"/>
           <p:nvPr/>
         </p:nvSpPr>
         <p:spPr>
@@ -4747,7 +4767,7 @@
               <a:spcAft>
                 <a:spcPts val="1000"/>
               </a:spcAft>
-              <a:buFont typeface="Arial" panose="020B0604020202020204" pitchFamily="34" charset="0"/>
+              <a:buFont typeface="Arial" panose="020B0604020202090204" pitchFamily="34" charset="0"/>
               <a:buChar char="•"/>
               <a:defRPr lang="en-US" sz="1200" kern="1200" smtClean="0">
                 <a:solidFill>
@@ -4771,7 +4791,7 @@
               <a:spcAft>
                 <a:spcPts val="1000"/>
               </a:spcAft>
-              <a:buFont typeface="Arial" panose="020B0604020202020204" pitchFamily="34" charset="0"/>
+              <a:buFont typeface="Arial" panose="020B0604020202090204" pitchFamily="34" charset="0"/>
               <a:buChar char="•"/>
               <a:defRPr lang="en-US" sz="1200" kern="1200" smtClean="0">
                 <a:solidFill>
@@ -4795,7 +4815,7 @@
               <a:spcAft>
                 <a:spcPts val="1000"/>
               </a:spcAft>
-              <a:buFont typeface="Arial" panose="020B0604020202020204" pitchFamily="34" charset="0"/>
+              <a:buFont typeface="Arial" panose="020B0604020202090204" pitchFamily="34" charset="0"/>
               <a:buChar char="•"/>
               <a:defRPr lang="en-US" sz="1200" kern="1200" smtClean="0">
                 <a:solidFill>
@@ -4819,7 +4839,7 @@
               <a:spcAft>
                 <a:spcPts val="1000"/>
               </a:spcAft>
-              <a:buFont typeface="Arial" panose="020B0604020202020204" pitchFamily="34" charset="0"/>
+              <a:buFont typeface="Arial" panose="020B0604020202090204" pitchFamily="34" charset="0"/>
               <a:buChar char="•"/>
               <a:defRPr lang="en-US" sz="1200" kern="1200" smtClean="0">
                 <a:solidFill>
@@ -4843,7 +4863,7 @@
               <a:spcAft>
                 <a:spcPts val="1000"/>
               </a:spcAft>
-              <a:buFont typeface="Arial" panose="020B0604020202020204" pitchFamily="34" charset="0"/>
+              <a:buFont typeface="Arial" panose="020B0604020202090204" pitchFamily="34" charset="0"/>
               <a:buChar char="•"/>
               <a:defRPr lang="en-US" sz="1200" kern="1200">
                 <a:solidFill>
@@ -4864,7 +4884,7 @@
               <a:spcBef>
                 <a:spcPct val="30000"/>
               </a:spcBef>
-              <a:buFont typeface="Arial" panose="020B0604020202020204" pitchFamily="34" charset="0"/>
+              <a:buFont typeface="Arial" panose="020B0604020202090204" pitchFamily="34" charset="0"/>
               <a:buChar char="•"/>
               <a:defRPr sz="1800" kern="1200">
                 <a:solidFill>
@@ -4882,7 +4902,7 @@
               <a:spcBef>
                 <a:spcPct val="30000"/>
               </a:spcBef>
-              <a:buFont typeface="Arial" panose="020B0604020202020204" pitchFamily="34" charset="0"/>
+              <a:buFont typeface="Arial" panose="020B0604020202090204" pitchFamily="34" charset="0"/>
               <a:buChar char="•"/>
               <a:defRPr sz="1800" kern="1200">
                 <a:solidFill>
@@ -4900,7 +4920,7 @@
               <a:spcBef>
                 <a:spcPct val="30000"/>
               </a:spcBef>
-              <a:buFont typeface="Arial" panose="020B0604020202020204" pitchFamily="34" charset="0"/>
+              <a:buFont typeface="Arial" panose="020B0604020202090204" pitchFamily="34" charset="0"/>
               <a:buChar char="•"/>
               <a:defRPr sz="1800" kern="1200">
                 <a:solidFill>
@@ -4918,7 +4938,7 @@
               <a:spcBef>
                 <a:spcPct val="30000"/>
               </a:spcBef>
-              <a:buFont typeface="Arial" panose="020B0604020202020204" pitchFamily="34" charset="0"/>
+              <a:buFont typeface="Arial" panose="020B0604020202090204" pitchFamily="34" charset="0"/>
               <a:buChar char="•"/>
               <a:defRPr sz="1800" kern="1200">
                 <a:solidFill>
@@ -4950,25 +4970,28 @@
               </a:rPr>
               <a:t>It is not allowed to order in a closed Restaurant.</a:t>
             </a:r>
+            <a:endParaRPr lang="en-US" sz="1400" dirty="0">
+              <a:solidFill>
+                <a:prstClr val="black">
+                  <a:lumMod val="75000"/>
+                  <a:lumOff val="25000"/>
+                </a:prstClr>
+              </a:solidFill>
+              <a:cs typeface="Segoe UI"/>
+            </a:endParaRPr>
           </a:p>
         </p:txBody>
       </p:sp>
       <p:pic>
         <p:nvPicPr>
-          <p:cNvPr id="3" name="Picture 2" descr="A screenshot of a cell phone&#10;&#10;Description automatically generated">
-            <a:extLst>
-              <a:ext uri="{FF2B5EF4-FFF2-40B4-BE49-F238E27FC236}">
-                <a16:creationId xmlns:a16="http://schemas.microsoft.com/office/drawing/2014/main" id="{02B6ECAF-2B50-4B7A-BEF9-1AADBCACEE4F}"/>
-              </a:ext>
-            </a:extLst>
-          </p:cNvPr>
+          <p:cNvPr id="3" name="Picture 2" descr="A screenshot of a cell phone&#10;&#10;Description automatically generated"/>
           <p:cNvPicPr>
             <a:picLocks noChangeAspect="1"/>
           </p:cNvPicPr>
           <p:nvPr/>
         </p:nvPicPr>
         <p:blipFill>
-          <a:blip r:embed="rId2" cstate="print">
+          <a:blip r:embed="rId1" cstate="print">
             <a:extLst>
               <a:ext uri="{28A0092B-C50C-407E-A947-70E740481C1C}">
                 <a14:useLocalDpi xmlns:a14="http://schemas.microsoft.com/office/drawing/2010/main" val="0"/>
@@ -4981,7 +5004,7 @@
         </p:blipFill>
         <p:spPr>
           <a:xfrm>
-            <a:off x="5723413" y="1455491"/>
+            <a:off x="5723413" y="1473271"/>
             <a:ext cx="2491248" cy="4478693"/>
           </a:xfrm>
           <a:prstGeom prst="rect">
@@ -4991,20 +5014,14 @@
       </p:pic>
       <p:pic>
         <p:nvPicPr>
-          <p:cNvPr id="8" name="Picture 7" descr="A screenshot of a cell phone&#10;&#10;Description automatically generated">
-            <a:extLst>
-              <a:ext uri="{FF2B5EF4-FFF2-40B4-BE49-F238E27FC236}">
-                <a16:creationId xmlns:a16="http://schemas.microsoft.com/office/drawing/2014/main" id="{F84947D3-36A5-4C77-957A-3D919FD84BA7}"/>
-              </a:ext>
-            </a:extLst>
-          </p:cNvPr>
+          <p:cNvPr id="8" name="Picture 7" descr="A screenshot of a cell phone&#10;&#10;Description automatically generated"/>
           <p:cNvPicPr>
             <a:picLocks noChangeAspect="1"/>
           </p:cNvPicPr>
           <p:nvPr/>
         </p:nvPicPr>
         <p:blipFill>
-          <a:blip r:embed="rId3" cstate="print">
+          <a:blip r:embed="rId2" cstate="print">
             <a:extLst>
               <a:ext uri="{28A0092B-C50C-407E-A947-70E740481C1C}">
                 <a14:useLocalDpi xmlns:a14="http://schemas.microsoft.com/office/drawing/2010/main" val="0"/>
@@ -5027,13 +5044,7 @@
       </p:pic>
       <p:cxnSp>
         <p:nvCxnSpPr>
-          <p:cNvPr id="28" name="Straight Connector 27" descr="Light grey line separating Morph text and images">
-            <a:extLst>
-              <a:ext uri="{FF2B5EF4-FFF2-40B4-BE49-F238E27FC236}">
-                <a16:creationId xmlns:a16="http://schemas.microsoft.com/office/drawing/2014/main" id="{F4E9CE1E-20BF-452E-B65C-A8B7F0040440}"/>
-              </a:ext>
-            </a:extLst>
-          </p:cNvPr>
+          <p:cNvPr id="28" name="Straight Connector 27" descr="Light grey line separating Morph text and images"/>
           <p:cNvCxnSpPr/>
           <p:nvPr/>
         </p:nvCxnSpPr>
@@ -5069,20 +5080,15 @@
         </p:style>
       </p:cxnSp>
     </p:spTree>
-    <p:extLst>
-      <p:ext uri="{BB962C8B-B14F-4D97-AF65-F5344CB8AC3E}">
-        <p14:creationId xmlns:p14="http://schemas.microsoft.com/office/powerpoint/2010/main" val="1107001750"/>
-      </p:ext>
-    </p:extLst>
   </p:cSld>
   <p:clrMapOvr>
     <a:masterClrMapping/>
   </p:clrMapOvr>
-  <mc:AlternateContent xmlns:mc="http://schemas.openxmlformats.org/markup-compatibility/2006" xmlns:p14="http://schemas.microsoft.com/office/powerpoint/2010/main">
-    <mc:Choice Requires="p14">
+  <mc:AlternateContent xmlns:mc="http://schemas.openxmlformats.org/markup-compatibility/2006">
+    <mc:Choice xmlns:p14="http://schemas.microsoft.com/office/powerpoint/2010/main" Requires="p14">
       <p:transition p14:dur="10"/>
     </mc:Choice>
-    <mc:Fallback xmlns="">
+    <mc:Fallback>
       <p:transition/>
     </mc:Fallback>
   </mc:AlternateContent>
@@ -5128,6 +5134,10 @@
               </a:rPr>
               <a:t>Making an order</a:t>
             </a:r>
+            <a:endParaRPr lang="en-US" dirty="0">
+              <a:latin typeface="Segoe UI Light" panose="020B0502040204020203" pitchFamily="34" charset="0"/>
+              <a:cs typeface="Segoe UI Light" panose="020B0502040204020203" pitchFamily="34" charset="0"/>
+            </a:endParaRPr>
           </a:p>
         </p:txBody>
       </p:sp>
@@ -5178,6 +5188,16 @@
               </a:rPr>
               <a:t>Once selected a restaurant, it is possible to view its menu and its reviews.</a:t>
             </a:r>
+            <a:endParaRPr lang="en-US" sz="1400" dirty="0">
+              <a:solidFill>
+                <a:prstClr val="black">
+                  <a:lumMod val="75000"/>
+                  <a:lumOff val="25000"/>
+                </a:prstClr>
+              </a:solidFill>
+              <a:latin typeface="Segoe UI" panose="020B0502040204020203" pitchFamily="34" charset="0"/>
+              <a:cs typeface="Segoe UI" panose="020B0502040204020203" pitchFamily="34" charset="0"/>
+            </a:endParaRPr>
           </a:p>
           <a:p>
             <a:pPr marL="0" indent="0" algn="just">
@@ -5205,6 +5225,16 @@
               </a:rPr>
               <a:t>The user can select desired quantity of dishes to be ordered and then confirm it selecting the delivering time.</a:t>
             </a:r>
+            <a:endParaRPr lang="en-US" sz="1400" dirty="0">
+              <a:solidFill>
+                <a:prstClr val="black">
+                  <a:lumMod val="75000"/>
+                  <a:lumOff val="25000"/>
+                </a:prstClr>
+              </a:solidFill>
+              <a:latin typeface="Segoe UI" panose="020B0502040204020203" pitchFamily="34" charset="0"/>
+              <a:cs typeface="Segoe UI" panose="020B0502040204020203" pitchFamily="34" charset="0"/>
+            </a:endParaRPr>
           </a:p>
           <a:p>
             <a:pPr marL="0" indent="0" algn="just">
@@ -5256,6 +5286,16 @@
               </a:rPr>
               <a:t>The ‘order’ and ‘review’ fragments are managed by means of a Page Adapter. </a:t>
             </a:r>
+            <a:endParaRPr lang="en-US" sz="1400" dirty="0">
+              <a:solidFill>
+                <a:prstClr val="black">
+                  <a:lumMod val="75000"/>
+                  <a:lumOff val="25000"/>
+                </a:prstClr>
+              </a:solidFill>
+              <a:latin typeface="Segoe UI" panose="020B0502040204020203" pitchFamily="34" charset="0"/>
+              <a:cs typeface="Segoe UI" panose="020B0502040204020203" pitchFamily="34" charset="0"/>
+            </a:endParaRPr>
           </a:p>
           <a:p>
             <a:pPr marL="0" indent="0" algn="just">
@@ -5283,6 +5323,16 @@
               </a:rPr>
               <a:t>Once the order is confirmed, a related data structure is saved into Firebase Database.</a:t>
             </a:r>
+            <a:endParaRPr lang="en-US" sz="1400" dirty="0">
+              <a:solidFill>
+                <a:prstClr val="black">
+                  <a:lumMod val="75000"/>
+                  <a:lumOff val="25000"/>
+                </a:prstClr>
+              </a:solidFill>
+              <a:latin typeface="Segoe UI" panose="020B0502040204020203" pitchFamily="34" charset="0"/>
+              <a:cs typeface="Segoe UI" panose="020B0502040204020203" pitchFamily="34" charset="0"/>
+            </a:endParaRPr>
           </a:p>
           <a:p>
             <a:pPr marL="0" indent="0">
@@ -5360,13 +5410,7 @@
       </p:sp>
       <p:pic>
         <p:nvPicPr>
-          <p:cNvPr id="8" name="Content Placeholder 7" descr="A screenshot of a cell phone&#10;&#10;Description automatically generated">
-            <a:extLst>
-              <a:ext uri="{FF2B5EF4-FFF2-40B4-BE49-F238E27FC236}">
-                <a16:creationId xmlns:a16="http://schemas.microsoft.com/office/drawing/2014/main" id="{0786223F-5DDE-47EC-8325-8765958C49C2}"/>
-              </a:ext>
-            </a:extLst>
-          </p:cNvPr>
+          <p:cNvPr id="8" name="Content Placeholder 7" descr="A screenshot of a cell phone&#10;&#10;Description automatically generated"/>
           <p:cNvPicPr>
             <a:picLocks noGrp="1" noChangeAspect="1"/>
           </p:cNvPicPr>
@@ -5375,7 +5419,7 @@
           </p:nvPr>
         </p:nvPicPr>
         <p:blipFill>
-          <a:blip r:embed="rId2" cstate="print">
+          <a:blip r:embed="rId1" cstate="print">
             <a:extLst>
               <a:ext uri="{28A0092B-C50C-407E-A947-70E740481C1C}">
                 <a14:useLocalDpi xmlns:a14="http://schemas.microsoft.com/office/drawing/2010/main" val="0"/>
@@ -5395,13 +5439,7 @@
       </p:pic>
       <p:cxnSp>
         <p:nvCxnSpPr>
-          <p:cNvPr id="11" name="Straight Connector 10" descr="Light grey line separating Morph text and images">
-            <a:extLst>
-              <a:ext uri="{FF2B5EF4-FFF2-40B4-BE49-F238E27FC236}">
-                <a16:creationId xmlns:a16="http://schemas.microsoft.com/office/drawing/2014/main" id="{70E1FB47-E60F-4842-AF6A-13ADFCA81716}"/>
-              </a:ext>
-            </a:extLst>
-          </p:cNvPr>
+          <p:cNvPr id="11" name="Straight Connector 10" descr="Light grey line separating Morph text and images"/>
           <p:cNvCxnSpPr/>
           <p:nvPr/>
         </p:nvCxnSpPr>
@@ -5438,20 +5476,14 @@
       </p:cxnSp>
       <p:pic>
         <p:nvPicPr>
-          <p:cNvPr id="13" name="Picture 12" descr="A screenshot of a cell phone&#10;&#10;Description automatically generated">
-            <a:extLst>
-              <a:ext uri="{FF2B5EF4-FFF2-40B4-BE49-F238E27FC236}">
-                <a16:creationId xmlns:a16="http://schemas.microsoft.com/office/drawing/2014/main" id="{DA490FA5-F3BF-4D62-9E92-6971DE561DE5}"/>
-              </a:ext>
-            </a:extLst>
-          </p:cNvPr>
+          <p:cNvPr id="13" name="Picture 12" descr="A screenshot of a cell phone&#10;&#10;Description automatically generated"/>
           <p:cNvPicPr>
             <a:picLocks noChangeAspect="1"/>
           </p:cNvPicPr>
           <p:nvPr/>
         </p:nvPicPr>
         <p:blipFill>
-          <a:blip r:embed="rId3" cstate="print">
+          <a:blip r:embed="rId2" cstate="print">
             <a:extLst>
               <a:ext uri="{28A0092B-C50C-407E-A947-70E740481C1C}">
                 <a14:useLocalDpi xmlns:a14="http://schemas.microsoft.com/office/drawing/2010/main" val="0"/>
@@ -5473,20 +5505,15 @@
         </p:spPr>
       </p:pic>
     </p:spTree>
-    <p:extLst>
-      <p:ext uri="{BB962C8B-B14F-4D97-AF65-F5344CB8AC3E}">
-        <p14:creationId xmlns:p14="http://schemas.microsoft.com/office/powerpoint/2010/main" val="958036878"/>
-      </p:ext>
-    </p:extLst>
   </p:cSld>
   <p:clrMapOvr>
     <a:masterClrMapping/>
   </p:clrMapOvr>
-  <mc:AlternateContent xmlns:mc="http://schemas.openxmlformats.org/markup-compatibility/2006" xmlns:p14="http://schemas.microsoft.com/office/powerpoint/2010/main">
-    <mc:Choice Requires="p14">
+  <mc:AlternateContent xmlns:mc="http://schemas.openxmlformats.org/markup-compatibility/2006">
+    <mc:Choice xmlns:p14="http://schemas.microsoft.com/office/powerpoint/2010/main" Requires="p14">
       <p:transition p14:dur="10"/>
     </mc:Choice>
-    <mc:Fallback xmlns="">
+    <mc:Fallback>
       <p:transition/>
     </mc:Fallback>
   </mc:AlternateContent>
@@ -5532,15 +5559,17 @@
               </a:rPr>
               <a:t>Order History</a:t>
             </a:r>
+            <a:endParaRPr lang="en-US" dirty="0">
+              <a:latin typeface="Segoe UI Light" panose="020B0502040204020203" pitchFamily="34" charset="0"/>
+              <a:cs typeface="Segoe UI Light" panose="020B0502040204020203" pitchFamily="34" charset="0"/>
+            </a:endParaRPr>
           </a:p>
         </p:txBody>
       </p:sp>
       <p:sp>
         <p:nvSpPr>
           <p:cNvPr id="30" name="Content Placeholder 17"/>
-          <p:cNvSpPr txBox="1">
-            <a:spLocks/>
-          </p:cNvSpPr>
+          <p:cNvSpPr txBox="1"/>
           <p:nvPr/>
         </p:nvSpPr>
         <p:spPr>
@@ -5567,7 +5596,7 @@
               <a:spcAft>
                 <a:spcPts val="1000"/>
               </a:spcAft>
-              <a:buFont typeface="Arial" panose="020B0604020202020204" pitchFamily="34" charset="0"/>
+              <a:buFont typeface="Arial" panose="020B0604020202090204" pitchFamily="34" charset="0"/>
               <a:buChar char="•"/>
               <a:defRPr lang="en-US" sz="1200" kern="1200" smtClean="0">
                 <a:solidFill>
@@ -5591,7 +5620,7 @@
               <a:spcAft>
                 <a:spcPts val="1000"/>
               </a:spcAft>
-              <a:buFont typeface="Arial" panose="020B0604020202020204" pitchFamily="34" charset="0"/>
+              <a:buFont typeface="Arial" panose="020B0604020202090204" pitchFamily="34" charset="0"/>
               <a:buChar char="•"/>
               <a:defRPr lang="en-US" sz="1200" kern="1200" smtClean="0">
                 <a:solidFill>
@@ -5615,7 +5644,7 @@
               <a:spcAft>
                 <a:spcPts val="1000"/>
               </a:spcAft>
-              <a:buFont typeface="Arial" panose="020B0604020202020204" pitchFamily="34" charset="0"/>
+              <a:buFont typeface="Arial" panose="020B0604020202090204" pitchFamily="34" charset="0"/>
               <a:buChar char="•"/>
               <a:defRPr lang="en-US" sz="1200" kern="1200" smtClean="0">
                 <a:solidFill>
@@ -5639,7 +5668,7 @@
               <a:spcAft>
                 <a:spcPts val="1000"/>
               </a:spcAft>
-              <a:buFont typeface="Arial" panose="020B0604020202020204" pitchFamily="34" charset="0"/>
+              <a:buFont typeface="Arial" panose="020B0604020202090204" pitchFamily="34" charset="0"/>
               <a:buChar char="•"/>
               <a:defRPr lang="en-US" sz="1200" kern="1200" smtClean="0">
                 <a:solidFill>
@@ -5663,7 +5692,7 @@
               <a:spcAft>
                 <a:spcPts val="1000"/>
               </a:spcAft>
-              <a:buFont typeface="Arial" panose="020B0604020202020204" pitchFamily="34" charset="0"/>
+              <a:buFont typeface="Arial" panose="020B0604020202090204" pitchFamily="34" charset="0"/>
               <a:buChar char="•"/>
               <a:defRPr lang="en-US" sz="1200" kern="1200">
                 <a:solidFill>
@@ -5684,7 +5713,7 @@
               <a:spcBef>
                 <a:spcPct val="30000"/>
               </a:spcBef>
-              <a:buFont typeface="Arial" panose="020B0604020202020204" pitchFamily="34" charset="0"/>
+              <a:buFont typeface="Arial" panose="020B0604020202090204" pitchFamily="34" charset="0"/>
               <a:buChar char="•"/>
               <a:defRPr sz="1800" kern="1200">
                 <a:solidFill>
@@ -5702,7 +5731,7 @@
               <a:spcBef>
                 <a:spcPct val="30000"/>
               </a:spcBef>
-              <a:buFont typeface="Arial" panose="020B0604020202020204" pitchFamily="34" charset="0"/>
+              <a:buFont typeface="Arial" panose="020B0604020202090204" pitchFamily="34" charset="0"/>
               <a:buChar char="•"/>
               <a:defRPr sz="1800" kern="1200">
                 <a:solidFill>
@@ -5720,7 +5749,7 @@
               <a:spcBef>
                 <a:spcPct val="30000"/>
               </a:spcBef>
-              <a:buFont typeface="Arial" panose="020B0604020202020204" pitchFamily="34" charset="0"/>
+              <a:buFont typeface="Arial" panose="020B0604020202090204" pitchFamily="34" charset="0"/>
               <a:buChar char="•"/>
               <a:defRPr sz="1800" kern="1200">
                 <a:solidFill>
@@ -5738,7 +5767,7 @@
               <a:spcBef>
                 <a:spcPct val="30000"/>
               </a:spcBef>
-              <a:buFont typeface="Arial" panose="020B0604020202020204" pitchFamily="34" charset="0"/>
+              <a:buFont typeface="Arial" panose="020B0604020202090204" pitchFamily="34" charset="0"/>
               <a:buChar char="•"/>
               <a:defRPr sz="1800" kern="1200">
                 <a:solidFill>
@@ -5764,9 +5793,7 @@
       <p:sp>
         <p:nvSpPr>
           <p:cNvPr id="16" name="Content Placeholder 17"/>
-          <p:cNvSpPr txBox="1">
-            <a:spLocks/>
-          </p:cNvSpPr>
+          <p:cNvSpPr txBox="1"/>
           <p:nvPr/>
         </p:nvSpPr>
         <p:spPr>
@@ -5793,7 +5820,7 @@
               <a:spcAft>
                 <a:spcPts val="1000"/>
               </a:spcAft>
-              <a:buFont typeface="Arial" panose="020B0604020202020204" pitchFamily="34" charset="0"/>
+              <a:buFont typeface="Arial" panose="020B0604020202090204" pitchFamily="34" charset="0"/>
               <a:buChar char="•"/>
               <a:defRPr lang="en-US" sz="1200" kern="1200" smtClean="0">
                 <a:solidFill>
@@ -5817,7 +5844,7 @@
               <a:spcAft>
                 <a:spcPts val="1000"/>
               </a:spcAft>
-              <a:buFont typeface="Arial" panose="020B0604020202020204" pitchFamily="34" charset="0"/>
+              <a:buFont typeface="Arial" panose="020B0604020202090204" pitchFamily="34" charset="0"/>
               <a:buChar char="•"/>
               <a:defRPr lang="en-US" sz="1200" kern="1200" smtClean="0">
                 <a:solidFill>
@@ -5841,7 +5868,7 @@
               <a:spcAft>
                 <a:spcPts val="1000"/>
               </a:spcAft>
-              <a:buFont typeface="Arial" panose="020B0604020202020204" pitchFamily="34" charset="0"/>
+              <a:buFont typeface="Arial" panose="020B0604020202090204" pitchFamily="34" charset="0"/>
               <a:buChar char="•"/>
               <a:defRPr lang="en-US" sz="1200" kern="1200" smtClean="0">
                 <a:solidFill>
@@ -5865,7 +5892,7 @@
               <a:spcAft>
                 <a:spcPts val="1000"/>
               </a:spcAft>
-              <a:buFont typeface="Arial" panose="020B0604020202020204" pitchFamily="34" charset="0"/>
+              <a:buFont typeface="Arial" panose="020B0604020202090204" pitchFamily="34" charset="0"/>
               <a:buChar char="•"/>
               <a:defRPr lang="en-US" sz="1200" kern="1200" smtClean="0">
                 <a:solidFill>
@@ -5889,7 +5916,7 @@
               <a:spcAft>
                 <a:spcPts val="1000"/>
               </a:spcAft>
-              <a:buFont typeface="Arial" panose="020B0604020202020204" pitchFamily="34" charset="0"/>
+              <a:buFont typeface="Arial" panose="020B0604020202090204" pitchFamily="34" charset="0"/>
               <a:buChar char="•"/>
               <a:defRPr lang="en-US" sz="1200" kern="1200">
                 <a:solidFill>
@@ -5910,7 +5937,7 @@
               <a:spcBef>
                 <a:spcPct val="30000"/>
               </a:spcBef>
-              <a:buFont typeface="Arial" panose="020B0604020202020204" pitchFamily="34" charset="0"/>
+              <a:buFont typeface="Arial" panose="020B0604020202090204" pitchFamily="34" charset="0"/>
               <a:buChar char="•"/>
               <a:defRPr sz="1800" kern="1200">
                 <a:solidFill>
@@ -5928,7 +5955,7 @@
               <a:spcBef>
                 <a:spcPct val="30000"/>
               </a:spcBef>
-              <a:buFont typeface="Arial" panose="020B0604020202020204" pitchFamily="34" charset="0"/>
+              <a:buFont typeface="Arial" panose="020B0604020202090204" pitchFamily="34" charset="0"/>
               <a:buChar char="•"/>
               <a:defRPr sz="1800" kern="1200">
                 <a:solidFill>
@@ -5946,7 +5973,7 @@
               <a:spcBef>
                 <a:spcPct val="30000"/>
               </a:spcBef>
-              <a:buFont typeface="Arial" panose="020B0604020202020204" pitchFamily="34" charset="0"/>
+              <a:buFont typeface="Arial" panose="020B0604020202090204" pitchFamily="34" charset="0"/>
               <a:buChar char="•"/>
               <a:defRPr sz="1800" kern="1200">
                 <a:solidFill>
@@ -5964,7 +5991,7 @@
               <a:spcBef>
                 <a:spcPct val="30000"/>
               </a:spcBef>
-              <a:buFont typeface="Arial" panose="020B0604020202020204" pitchFamily="34" charset="0"/>
+              <a:buFont typeface="Arial" panose="020B0604020202090204" pitchFamily="34" charset="0"/>
               <a:buChar char="•"/>
               <a:defRPr sz="1800" kern="1200">
                 <a:solidFill>
@@ -5996,6 +6023,16 @@
               </a:rPr>
               <a:t>An order history is available on customer app such that the user can check details of each order and review it once it is delivered.</a:t>
             </a:r>
+            <a:endParaRPr lang="en-US" sz="1400" dirty="0">
+              <a:solidFill>
+                <a:prstClr val="black">
+                  <a:lumMod val="75000"/>
+                  <a:lumOff val="25000"/>
+                </a:prstClr>
+              </a:solidFill>
+              <a:latin typeface="Segoe UI" panose="020B0502040204020203" pitchFamily="34" charset="0"/>
+              <a:cs typeface="Segoe UI" panose="020B0502040204020203" pitchFamily="34" charset="0"/>
+            </a:endParaRPr>
           </a:p>
           <a:p>
             <a:pPr marL="0" indent="0" algn="just">
@@ -6017,6 +6054,16 @@
               </a:rPr>
               <a:t>The user can also keep track of his order by checking the status:</a:t>
             </a:r>
+            <a:endParaRPr lang="en-US" sz="1400" dirty="0">
+              <a:solidFill>
+                <a:prstClr val="black">
+                  <a:lumMod val="75000"/>
+                  <a:lumOff val="25000"/>
+                </a:prstClr>
+              </a:solidFill>
+              <a:latin typeface="Segoe UI" panose="020B0502040204020203" pitchFamily="34" charset="0"/>
+              <a:cs typeface="Segoe UI" panose="020B0502040204020203" pitchFamily="34" charset="0"/>
+            </a:endParaRPr>
           </a:p>
           <a:p>
             <a:pPr algn="just">
@@ -6037,6 +6084,16 @@
               </a:rPr>
               <a:t>Order Sent</a:t>
             </a:r>
+            <a:endParaRPr lang="en-US" sz="1400" b="1" dirty="0">
+              <a:solidFill>
+                <a:prstClr val="black">
+                  <a:lumMod val="75000"/>
+                  <a:lumOff val="25000"/>
+                </a:prstClr>
+              </a:solidFill>
+              <a:latin typeface="Segoe UI" panose="020B0502040204020203" pitchFamily="34" charset="0"/>
+              <a:cs typeface="Segoe UI" panose="020B0502040204020203" pitchFamily="34" charset="0"/>
+            </a:endParaRPr>
           </a:p>
           <a:p>
             <a:pPr algn="just">
@@ -6057,6 +6114,16 @@
               </a:rPr>
               <a:t>Order Refused</a:t>
             </a:r>
+            <a:endParaRPr lang="en-US" sz="1400" b="1" dirty="0">
+              <a:solidFill>
+                <a:prstClr val="black">
+                  <a:lumMod val="75000"/>
+                  <a:lumOff val="25000"/>
+                </a:prstClr>
+              </a:solidFill>
+              <a:latin typeface="Segoe UI" panose="020B0502040204020203" pitchFamily="34" charset="0"/>
+              <a:cs typeface="Segoe UI" panose="020B0502040204020203" pitchFamily="34" charset="0"/>
+            </a:endParaRPr>
           </a:p>
           <a:p>
             <a:pPr algn="just">
@@ -6077,6 +6144,16 @@
               </a:rPr>
               <a:t>Delivering</a:t>
             </a:r>
+            <a:endParaRPr lang="en-US" sz="1400" b="1" dirty="0">
+              <a:solidFill>
+                <a:prstClr val="black">
+                  <a:lumMod val="75000"/>
+                  <a:lumOff val="25000"/>
+                </a:prstClr>
+              </a:solidFill>
+              <a:latin typeface="Segoe UI" panose="020B0502040204020203" pitchFamily="34" charset="0"/>
+              <a:cs typeface="Segoe UI" panose="020B0502040204020203" pitchFamily="34" charset="0"/>
+            </a:endParaRPr>
           </a:p>
           <a:p>
             <a:pPr algn="just">
@@ -6097,15 +6174,23 @@
               </a:rPr>
               <a:t>Order Delivered </a:t>
             </a:r>
+            <a:endParaRPr lang="en-US" sz="1400" b="1" dirty="0">
+              <a:solidFill>
+                <a:prstClr val="black">
+                  <a:lumMod val="75000"/>
+                  <a:lumOff val="25000"/>
+                </a:prstClr>
+              </a:solidFill>
+              <a:latin typeface="Segoe UI" panose="020B0502040204020203" pitchFamily="34" charset="0"/>
+              <a:cs typeface="Segoe UI" panose="020B0502040204020203" pitchFamily="34" charset="0"/>
+            </a:endParaRPr>
           </a:p>
         </p:txBody>
       </p:sp>
       <p:sp>
         <p:nvSpPr>
           <p:cNvPr id="25" name="Content Placeholder 17"/>
-          <p:cNvSpPr txBox="1">
-            <a:spLocks/>
-          </p:cNvSpPr>
+          <p:cNvSpPr txBox="1"/>
           <p:nvPr/>
         </p:nvSpPr>
         <p:spPr>
@@ -6132,7 +6217,7 @@
               <a:spcAft>
                 <a:spcPts val="1000"/>
               </a:spcAft>
-              <a:buFont typeface="Arial" panose="020B0604020202020204" pitchFamily="34" charset="0"/>
+              <a:buFont typeface="Arial" panose="020B0604020202090204" pitchFamily="34" charset="0"/>
               <a:buChar char="•"/>
               <a:defRPr lang="en-US" sz="1200" kern="1200" smtClean="0">
                 <a:solidFill>
@@ -6156,7 +6241,7 @@
               <a:spcAft>
                 <a:spcPts val="1000"/>
               </a:spcAft>
-              <a:buFont typeface="Arial" panose="020B0604020202020204" pitchFamily="34" charset="0"/>
+              <a:buFont typeface="Arial" panose="020B0604020202090204" pitchFamily="34" charset="0"/>
               <a:buChar char="•"/>
               <a:defRPr lang="en-US" sz="1200" kern="1200" smtClean="0">
                 <a:solidFill>
@@ -6180,7 +6265,7 @@
               <a:spcAft>
                 <a:spcPts val="1000"/>
               </a:spcAft>
-              <a:buFont typeface="Arial" panose="020B0604020202020204" pitchFamily="34" charset="0"/>
+              <a:buFont typeface="Arial" panose="020B0604020202090204" pitchFamily="34" charset="0"/>
               <a:buChar char="•"/>
               <a:defRPr lang="en-US" sz="1200" kern="1200" smtClean="0">
                 <a:solidFill>
@@ -6204,7 +6289,7 @@
               <a:spcAft>
                 <a:spcPts val="1000"/>
               </a:spcAft>
-              <a:buFont typeface="Arial" panose="020B0604020202020204" pitchFamily="34" charset="0"/>
+              <a:buFont typeface="Arial" panose="020B0604020202090204" pitchFamily="34" charset="0"/>
               <a:buChar char="•"/>
               <a:defRPr lang="en-US" sz="1200" kern="1200" smtClean="0">
                 <a:solidFill>
@@ -6228,7 +6313,7 @@
               <a:spcAft>
                 <a:spcPts val="1000"/>
               </a:spcAft>
-              <a:buFont typeface="Arial" panose="020B0604020202020204" pitchFamily="34" charset="0"/>
+              <a:buFont typeface="Arial" panose="020B0604020202090204" pitchFamily="34" charset="0"/>
               <a:buChar char="•"/>
               <a:defRPr lang="en-US" sz="1200" kern="1200">
                 <a:solidFill>
@@ -6249,7 +6334,7 @@
               <a:spcBef>
                 <a:spcPct val="30000"/>
               </a:spcBef>
-              <a:buFont typeface="Arial" panose="020B0604020202020204" pitchFamily="34" charset="0"/>
+              <a:buFont typeface="Arial" panose="020B0604020202090204" pitchFamily="34" charset="0"/>
               <a:buChar char="•"/>
               <a:defRPr sz="1800" kern="1200">
                 <a:solidFill>
@@ -6267,7 +6352,7 @@
               <a:spcBef>
                 <a:spcPct val="30000"/>
               </a:spcBef>
-              <a:buFont typeface="Arial" panose="020B0604020202020204" pitchFamily="34" charset="0"/>
+              <a:buFont typeface="Arial" panose="020B0604020202090204" pitchFamily="34" charset="0"/>
               <a:buChar char="•"/>
               <a:defRPr sz="1800" kern="1200">
                 <a:solidFill>
@@ -6285,7 +6370,7 @@
               <a:spcBef>
                 <a:spcPct val="30000"/>
               </a:spcBef>
-              <a:buFont typeface="Arial" panose="020B0604020202020204" pitchFamily="34" charset="0"/>
+              <a:buFont typeface="Arial" panose="020B0604020202090204" pitchFamily="34" charset="0"/>
               <a:buChar char="•"/>
               <a:defRPr sz="1800" kern="1200">
                 <a:solidFill>
@@ -6303,7 +6388,7 @@
               <a:spcBef>
                 <a:spcPct val="30000"/>
               </a:spcBef>
-              <a:buFont typeface="Arial" panose="020B0604020202020204" pitchFamily="34" charset="0"/>
+              <a:buFont typeface="Arial" panose="020B0604020202090204" pitchFamily="34" charset="0"/>
               <a:buChar char="•"/>
               <a:defRPr sz="1800" kern="1200">
                 <a:solidFill>
@@ -6338,9 +6423,7 @@
       <p:sp>
         <p:nvSpPr>
           <p:cNvPr id="17" name="Content Placeholder 17"/>
-          <p:cNvSpPr txBox="1">
-            <a:spLocks/>
-          </p:cNvSpPr>
+          <p:cNvSpPr txBox="1"/>
           <p:nvPr/>
         </p:nvSpPr>
         <p:spPr>
@@ -6367,7 +6450,7 @@
               <a:spcAft>
                 <a:spcPts val="1000"/>
               </a:spcAft>
-              <a:buFont typeface="Arial" panose="020B0604020202020204" pitchFamily="34" charset="0"/>
+              <a:buFont typeface="Arial" panose="020B0604020202090204" pitchFamily="34" charset="0"/>
               <a:buChar char="•"/>
               <a:defRPr lang="en-US" sz="1200" kern="1200" smtClean="0">
                 <a:solidFill>
@@ -6391,7 +6474,7 @@
               <a:spcAft>
                 <a:spcPts val="1000"/>
               </a:spcAft>
-              <a:buFont typeface="Arial" panose="020B0604020202020204" pitchFamily="34" charset="0"/>
+              <a:buFont typeface="Arial" panose="020B0604020202090204" pitchFamily="34" charset="0"/>
               <a:buChar char="•"/>
               <a:defRPr lang="en-US" sz="1200" kern="1200" smtClean="0">
                 <a:solidFill>
@@ -6415,7 +6498,7 @@
               <a:spcAft>
                 <a:spcPts val="1000"/>
               </a:spcAft>
-              <a:buFont typeface="Arial" panose="020B0604020202020204" pitchFamily="34" charset="0"/>
+              <a:buFont typeface="Arial" panose="020B0604020202090204" pitchFamily="34" charset="0"/>
               <a:buChar char="•"/>
               <a:defRPr lang="en-US" sz="1200" kern="1200" smtClean="0">
                 <a:solidFill>
@@ -6439,7 +6522,7 @@
               <a:spcAft>
                 <a:spcPts val="1000"/>
               </a:spcAft>
-              <a:buFont typeface="Arial" panose="020B0604020202020204" pitchFamily="34" charset="0"/>
+              <a:buFont typeface="Arial" panose="020B0604020202090204" pitchFamily="34" charset="0"/>
               <a:buChar char="•"/>
               <a:defRPr lang="en-US" sz="1200" kern="1200" smtClean="0">
                 <a:solidFill>
@@ -6463,7 +6546,7 @@
               <a:spcAft>
                 <a:spcPts val="1000"/>
               </a:spcAft>
-              <a:buFont typeface="Arial" panose="020B0604020202020204" pitchFamily="34" charset="0"/>
+              <a:buFont typeface="Arial" panose="020B0604020202090204" pitchFamily="34" charset="0"/>
               <a:buChar char="•"/>
               <a:defRPr lang="en-US" sz="1200" kern="1200">
                 <a:solidFill>
@@ -6484,7 +6567,7 @@
               <a:spcBef>
                 <a:spcPct val="30000"/>
               </a:spcBef>
-              <a:buFont typeface="Arial" panose="020B0604020202020204" pitchFamily="34" charset="0"/>
+              <a:buFont typeface="Arial" panose="020B0604020202090204" pitchFamily="34" charset="0"/>
               <a:buChar char="•"/>
               <a:defRPr sz="1800" kern="1200">
                 <a:solidFill>
@@ -6502,7 +6585,7 @@
               <a:spcBef>
                 <a:spcPct val="30000"/>
               </a:spcBef>
-              <a:buFont typeface="Arial" panose="020B0604020202020204" pitchFamily="34" charset="0"/>
+              <a:buFont typeface="Arial" panose="020B0604020202090204" pitchFamily="34" charset="0"/>
               <a:buChar char="•"/>
               <a:defRPr sz="1800" kern="1200">
                 <a:solidFill>
@@ -6520,7 +6603,7 @@
               <a:spcBef>
                 <a:spcPct val="30000"/>
               </a:spcBef>
-              <a:buFont typeface="Arial" panose="020B0604020202020204" pitchFamily="34" charset="0"/>
+              <a:buFont typeface="Arial" panose="020B0604020202090204" pitchFamily="34" charset="0"/>
               <a:buChar char="•"/>
               <a:defRPr sz="1800" kern="1200">
                 <a:solidFill>
@@ -6538,7 +6621,7 @@
               <a:spcBef>
                 <a:spcPct val="30000"/>
               </a:spcBef>
-              <a:buFont typeface="Arial" panose="020B0604020202020204" pitchFamily="34" charset="0"/>
+              <a:buFont typeface="Arial" panose="020B0604020202090204" pitchFamily="34" charset="0"/>
               <a:buChar char="•"/>
               <a:defRPr sz="1800" kern="1200">
                 <a:solidFill>
@@ -6570,20 +6653,14 @@
       </p:sp>
       <p:pic>
         <p:nvPicPr>
-          <p:cNvPr id="7" name="Picture 6" descr="A screenshot of a cell phone&#10;&#10;Description automatically generated">
-            <a:extLst>
-              <a:ext uri="{FF2B5EF4-FFF2-40B4-BE49-F238E27FC236}">
-                <a16:creationId xmlns:a16="http://schemas.microsoft.com/office/drawing/2014/main" id="{4806EA2B-0677-47B9-9CC6-E3D6B741816E}"/>
-              </a:ext>
-            </a:extLst>
-          </p:cNvPr>
+          <p:cNvPr id="7" name="Picture 6" descr="A screenshot of a cell phone&#10;&#10;Description automatically generated"/>
           <p:cNvPicPr>
             <a:picLocks noChangeAspect="1"/>
           </p:cNvPicPr>
           <p:nvPr/>
         </p:nvPicPr>
         <p:blipFill>
-          <a:blip r:embed="rId2" cstate="print">
+          <a:blip r:embed="rId1" cstate="print">
             <a:extLst>
               <a:ext uri="{28A0092B-C50C-407E-A947-70E740481C1C}">
                 <a14:useLocalDpi xmlns:a14="http://schemas.microsoft.com/office/drawing/2010/main" val="0"/>
@@ -6606,13 +6683,7 @@
       </p:pic>
       <p:cxnSp>
         <p:nvCxnSpPr>
-          <p:cNvPr id="31" name="Straight Connector 30" descr="Light grey line separating Morph text and images">
-            <a:extLst>
-              <a:ext uri="{FF2B5EF4-FFF2-40B4-BE49-F238E27FC236}">
-                <a16:creationId xmlns:a16="http://schemas.microsoft.com/office/drawing/2014/main" id="{70D4EE0E-2529-4B70-989B-F8331C576DE4}"/>
-              </a:ext>
-            </a:extLst>
-          </p:cNvPr>
+          <p:cNvPr id="31" name="Straight Connector 30" descr="Light grey line separating Morph text and images"/>
           <p:cNvCxnSpPr/>
           <p:nvPr/>
         </p:nvCxnSpPr>
@@ -6649,20 +6720,14 @@
       </p:cxnSp>
       <p:pic>
         <p:nvPicPr>
-          <p:cNvPr id="32" name="Picture 31" descr="A screenshot of a cell phone&#10;&#10;Description automatically generated">
-            <a:extLst>
-              <a:ext uri="{FF2B5EF4-FFF2-40B4-BE49-F238E27FC236}">
-                <a16:creationId xmlns:a16="http://schemas.microsoft.com/office/drawing/2014/main" id="{F8689A8D-5C62-458C-A552-F8FA587C8D73}"/>
-              </a:ext>
-            </a:extLst>
-          </p:cNvPr>
+          <p:cNvPr id="32" name="Picture 31" descr="A screenshot of a cell phone&#10;&#10;Description automatically generated"/>
           <p:cNvPicPr>
             <a:picLocks noChangeAspect="1"/>
           </p:cNvPicPr>
           <p:nvPr/>
         </p:nvPicPr>
         <p:blipFill>
-          <a:blip r:embed="rId3" cstate="print">
+          <a:blip r:embed="rId2" cstate="print">
             <a:extLst>
               <a:ext uri="{28A0092B-C50C-407E-A947-70E740481C1C}">
                 <a14:useLocalDpi xmlns:a14="http://schemas.microsoft.com/office/drawing/2010/main" val="0"/>
@@ -6684,11 +6749,6 @@
         </p:spPr>
       </p:pic>
     </p:spTree>
-    <p:extLst>
-      <p:ext uri="{BB962C8B-B14F-4D97-AF65-F5344CB8AC3E}">
-        <p14:creationId xmlns:p14="http://schemas.microsoft.com/office/powerpoint/2010/main" val="2596833607"/>
-      </p:ext>
-    </p:extLst>
   </p:cSld>
   <p:clrMapOvr>
     <a:masterClrMapping/>
@@ -6738,6 +6798,10 @@
               </a:rPr>
               <a:t>Restaurant</a:t>
             </a:r>
+            <a:endParaRPr lang="en-US" dirty="0">
+              <a:latin typeface="Segoe UI Light" panose="020B0502040204020203" pitchFamily="34" charset="0"/>
+              <a:cs typeface="Segoe UI Light" panose="020B0502040204020203" pitchFamily="34" charset="0"/>
+            </a:endParaRPr>
           </a:p>
         </p:txBody>
       </p:sp>
@@ -6814,6 +6878,16 @@
               </a:rPr>
               <a:t>.</a:t>
             </a:r>
+            <a:endParaRPr lang="en-US" sz="1400" dirty="0">
+              <a:solidFill>
+                <a:prstClr val="black">
+                  <a:lumMod val="75000"/>
+                  <a:lumOff val="25000"/>
+                </a:prstClr>
+              </a:solidFill>
+              <a:latin typeface="Segoe UI" panose="020B0502040204020203" pitchFamily="34" charset="0"/>
+              <a:cs typeface="Segoe UI" panose="020B0502040204020203" pitchFamily="34" charset="0"/>
+            </a:endParaRPr>
           </a:p>
           <a:p>
             <a:pPr marL="0" indent="0">
@@ -6841,25 +6915,29 @@
               </a:rPr>
               <a:t>The Profile Fragment includes also a rating section which includes all the reviews given by the customers.</a:t>
             </a:r>
+            <a:endParaRPr lang="en-US" sz="1400" dirty="0">
+              <a:solidFill>
+                <a:prstClr val="black">
+                  <a:lumMod val="75000"/>
+                  <a:lumOff val="25000"/>
+                </a:prstClr>
+              </a:solidFill>
+              <a:latin typeface="Segoe UI" panose="020B0502040204020203" pitchFamily="34" charset="0"/>
+              <a:cs typeface="Segoe UI" panose="020B0502040204020203" pitchFamily="34" charset="0"/>
+            </a:endParaRPr>
           </a:p>
         </p:txBody>
       </p:sp>
       <p:pic>
         <p:nvPicPr>
-          <p:cNvPr id="4" name="Picture 3" descr="A screenshot of a cell phone&#10;&#10;Description automatically generated">
-            <a:extLst>
-              <a:ext uri="{FF2B5EF4-FFF2-40B4-BE49-F238E27FC236}">
-                <a16:creationId xmlns:a16="http://schemas.microsoft.com/office/drawing/2014/main" id="{7C1A72D4-A647-4C1B-A3B3-9B974A884B48}"/>
-              </a:ext>
-            </a:extLst>
-          </p:cNvPr>
+          <p:cNvPr id="4" name="Picture 3" descr="A screenshot of a cell phone&#10;&#10;Description automatically generated"/>
           <p:cNvPicPr>
             <a:picLocks noChangeAspect="1"/>
           </p:cNvPicPr>
           <p:nvPr/>
         </p:nvPicPr>
         <p:blipFill>
-          <a:blip r:embed="rId2" cstate="print">
+          <a:blip r:embed="rId1" cstate="print">
             <a:extLst>
               <a:ext uri="{28A0092B-C50C-407E-A947-70E740481C1C}">
                 <a14:useLocalDpi xmlns:a14="http://schemas.microsoft.com/office/drawing/2010/main" val="0"/>
@@ -6882,13 +6960,7 @@
       </p:pic>
       <p:cxnSp>
         <p:nvCxnSpPr>
-          <p:cNvPr id="21" name="Straight Connector 20" descr="Light grey line separating Morph text and images">
-            <a:extLst>
-              <a:ext uri="{FF2B5EF4-FFF2-40B4-BE49-F238E27FC236}">
-                <a16:creationId xmlns:a16="http://schemas.microsoft.com/office/drawing/2014/main" id="{1F283E5E-124C-4314-ACC6-3840EE4D2B30}"/>
-              </a:ext>
-            </a:extLst>
-          </p:cNvPr>
+          <p:cNvPr id="21" name="Straight Connector 20" descr="Light grey line separating Morph text and images"/>
           <p:cNvCxnSpPr/>
           <p:nvPr/>
         </p:nvCxnSpPr>
@@ -6925,20 +6997,14 @@
       </p:cxnSp>
       <p:pic>
         <p:nvPicPr>
-          <p:cNvPr id="10" name="Picture 9" descr="A screenshot of a cell phone&#10;&#10;Description automatically generated">
-            <a:extLst>
-              <a:ext uri="{FF2B5EF4-FFF2-40B4-BE49-F238E27FC236}">
-                <a16:creationId xmlns:a16="http://schemas.microsoft.com/office/drawing/2014/main" id="{D2608610-D9F7-426E-B74A-7F63F87A1748}"/>
-              </a:ext>
-            </a:extLst>
-          </p:cNvPr>
+          <p:cNvPr id="10" name="Picture 9" descr="A screenshot of a cell phone&#10;&#10;Description automatically generated"/>
           <p:cNvPicPr>
             <a:picLocks noChangeAspect="1"/>
           </p:cNvPicPr>
           <p:nvPr/>
         </p:nvPicPr>
         <p:blipFill>
-          <a:blip r:embed="rId3" cstate="print">
+          <a:blip r:embed="rId2" cstate="print">
             <a:extLst>
               <a:ext uri="{28A0092B-C50C-407E-A947-70E740481C1C}">
                 <a14:useLocalDpi xmlns:a14="http://schemas.microsoft.com/office/drawing/2010/main" val="0"/>
@@ -6960,20 +7026,15 @@
         </p:spPr>
       </p:pic>
     </p:spTree>
-    <p:extLst>
-      <p:ext uri="{BB962C8B-B14F-4D97-AF65-F5344CB8AC3E}">
-        <p14:creationId xmlns:p14="http://schemas.microsoft.com/office/powerpoint/2010/main" val="1328676004"/>
-      </p:ext>
-    </p:extLst>
   </p:cSld>
   <p:clrMapOvr>
     <a:masterClrMapping/>
   </p:clrMapOvr>
-  <mc:AlternateContent xmlns:mc="http://schemas.openxmlformats.org/markup-compatibility/2006" xmlns:p14="http://schemas.microsoft.com/office/powerpoint/2010/main">
-    <mc:Choice Requires="p14">
+  <mc:AlternateContent xmlns:mc="http://schemas.openxmlformats.org/markup-compatibility/2006">
+    <mc:Choice xmlns:p14="http://schemas.microsoft.com/office/powerpoint/2010/main" Requires="p14">
       <p:transition p14:dur="10"/>
     </mc:Choice>
-    <mc:Fallback xmlns="">
+    <mc:Fallback>
       <p:transition/>
     </mc:Fallback>
   </mc:AlternateContent>
@@ -7019,15 +7080,17 @@
               </a:rPr>
               <a:t>Adding new item to Daily Offer menu</a:t>
             </a:r>
+            <a:endParaRPr lang="en-US" dirty="0">
+              <a:latin typeface="Segoe UI Light" panose="020B0502040204020203" pitchFamily="34" charset="0"/>
+              <a:cs typeface="Segoe UI Light" panose="020B0502040204020203" pitchFamily="34" charset="0"/>
+            </a:endParaRPr>
           </a:p>
         </p:txBody>
       </p:sp>
       <p:sp>
         <p:nvSpPr>
           <p:cNvPr id="16" name="Content Placeholder 17"/>
-          <p:cNvSpPr txBox="1">
-            <a:spLocks/>
-          </p:cNvSpPr>
+          <p:cNvSpPr txBox="1"/>
           <p:nvPr/>
         </p:nvSpPr>
         <p:spPr>
@@ -7054,7 +7117,7 @@
               <a:spcAft>
                 <a:spcPts val="1000"/>
               </a:spcAft>
-              <a:buFont typeface="Arial" panose="020B0604020202020204" pitchFamily="34" charset="0"/>
+              <a:buFont typeface="Arial" panose="020B0604020202090204" pitchFamily="34" charset="0"/>
               <a:buChar char="•"/>
               <a:defRPr lang="en-US" sz="1200" kern="1200" smtClean="0">
                 <a:solidFill>
@@ -7078,7 +7141,7 @@
               <a:spcAft>
                 <a:spcPts val="1000"/>
               </a:spcAft>
-              <a:buFont typeface="Arial" panose="020B0604020202020204" pitchFamily="34" charset="0"/>
+              <a:buFont typeface="Arial" panose="020B0604020202090204" pitchFamily="34" charset="0"/>
               <a:buChar char="•"/>
               <a:defRPr lang="en-US" sz="1200" kern="1200" smtClean="0">
                 <a:solidFill>
@@ -7102,7 +7165,7 @@
               <a:spcAft>
                 <a:spcPts val="1000"/>
               </a:spcAft>
-              <a:buFont typeface="Arial" panose="020B0604020202020204" pitchFamily="34" charset="0"/>
+              <a:buFont typeface="Arial" panose="020B0604020202090204" pitchFamily="34" charset="0"/>
               <a:buChar char="•"/>
               <a:defRPr lang="en-US" sz="1200" kern="1200" smtClean="0">
                 <a:solidFill>
@@ -7126,7 +7189,7 @@
               <a:spcAft>
                 <a:spcPts val="1000"/>
               </a:spcAft>
-              <a:buFont typeface="Arial" panose="020B0604020202020204" pitchFamily="34" charset="0"/>
+              <a:buFont typeface="Arial" panose="020B0604020202090204" pitchFamily="34" charset="0"/>
               <a:buChar char="•"/>
               <a:defRPr lang="en-US" sz="1200" kern="1200" smtClean="0">
                 <a:solidFill>
@@ -7150,7 +7213,7 @@
               <a:spcAft>
                 <a:spcPts val="1000"/>
               </a:spcAft>
-              <a:buFont typeface="Arial" panose="020B0604020202020204" pitchFamily="34" charset="0"/>
+              <a:buFont typeface="Arial" panose="020B0604020202090204" pitchFamily="34" charset="0"/>
               <a:buChar char="•"/>
               <a:defRPr lang="en-US" sz="1200" kern="1200">
                 <a:solidFill>
@@ -7171,7 +7234,7 @@
               <a:spcBef>
                 <a:spcPct val="30000"/>
               </a:spcBef>
-              <a:buFont typeface="Arial" panose="020B0604020202020204" pitchFamily="34" charset="0"/>
+              <a:buFont typeface="Arial" panose="020B0604020202090204" pitchFamily="34" charset="0"/>
               <a:buChar char="•"/>
               <a:defRPr sz="1800" kern="1200">
                 <a:solidFill>
@@ -7189,7 +7252,7 @@
               <a:spcBef>
                 <a:spcPct val="30000"/>
               </a:spcBef>
-              <a:buFont typeface="Arial" panose="020B0604020202020204" pitchFamily="34" charset="0"/>
+              <a:buFont typeface="Arial" panose="020B0604020202090204" pitchFamily="34" charset="0"/>
               <a:buChar char="•"/>
               <a:defRPr sz="1800" kern="1200">
                 <a:solidFill>
@@ -7207,7 +7270,7 @@
               <a:spcBef>
                 <a:spcPct val="30000"/>
               </a:spcBef>
-              <a:buFont typeface="Arial" panose="020B0604020202020204" pitchFamily="34" charset="0"/>
+              <a:buFont typeface="Arial" panose="020B0604020202090204" pitchFamily="34" charset="0"/>
               <a:buChar char="•"/>
               <a:defRPr sz="1800" kern="1200">
                 <a:solidFill>
@@ -7225,7 +7288,7 @@
               <a:spcBef>
                 <a:spcPct val="30000"/>
               </a:spcBef>
-              <a:buFont typeface="Arial" panose="020B0604020202020204" pitchFamily="34" charset="0"/>
+              <a:buFont typeface="Arial" panose="020B0604020202090204" pitchFamily="34" charset="0"/>
               <a:buChar char="•"/>
               <a:defRPr sz="1800" kern="1200">
                 <a:solidFill>
@@ -7279,6 +7342,10 @@
               </a:rPr>
               <a:t> which shows all menu offers.</a:t>
             </a:r>
+            <a:endParaRPr lang="en-US" sz="1400" dirty="0">
+              <a:latin typeface="Segoe UI" panose="020B0502040204020203" pitchFamily="34" charset="0"/>
+              <a:cs typeface="Segoe UI" panose="020B0502040204020203" pitchFamily="34" charset="0"/>
+            </a:endParaRPr>
           </a:p>
           <a:p>
             <a:pPr marL="0" indent="0" algn="just">
@@ -7294,25 +7361,23 @@
               </a:rPr>
               <a:t>Every item can be updated or removed from the list by means of two dedicated buttons.</a:t>
             </a:r>
+            <a:endParaRPr lang="en-US" sz="1400" dirty="0">
+              <a:latin typeface="Segoe UI" panose="020B0502040204020203" pitchFamily="34" charset="0"/>
+              <a:cs typeface="Segoe UI" panose="020B0502040204020203" pitchFamily="34" charset="0"/>
+            </a:endParaRPr>
           </a:p>
         </p:txBody>
       </p:sp>
       <p:pic>
         <p:nvPicPr>
-          <p:cNvPr id="4" name="Picture 3" descr="A screenshot of a cell phone&#10;&#10;Description automatically generated">
-            <a:extLst>
-              <a:ext uri="{FF2B5EF4-FFF2-40B4-BE49-F238E27FC236}">
-                <a16:creationId xmlns:a16="http://schemas.microsoft.com/office/drawing/2014/main" id="{170FFAD1-ADD6-412E-9C6F-7CF657B1D6E9}"/>
-              </a:ext>
-            </a:extLst>
-          </p:cNvPr>
+          <p:cNvPr id="4" name="Picture 3" descr="A screenshot of a cell phone&#10;&#10;Description automatically generated"/>
           <p:cNvPicPr>
             <a:picLocks noChangeAspect="1"/>
           </p:cNvPicPr>
           <p:nvPr/>
         </p:nvPicPr>
         <p:blipFill>
-          <a:blip r:embed="rId2" cstate="print">
+          <a:blip r:embed="rId1" cstate="print">
             <a:extLst>
               <a:ext uri="{28A0092B-C50C-407E-A947-70E740481C1C}">
                 <a14:useLocalDpi xmlns:a14="http://schemas.microsoft.com/office/drawing/2010/main" val="0"/>
@@ -7335,13 +7400,7 @@
       </p:pic>
       <p:cxnSp>
         <p:nvCxnSpPr>
-          <p:cNvPr id="7" name="Straight Connector 6" descr="Light grey line separating Morph text and images">
-            <a:extLst>
-              <a:ext uri="{FF2B5EF4-FFF2-40B4-BE49-F238E27FC236}">
-                <a16:creationId xmlns:a16="http://schemas.microsoft.com/office/drawing/2014/main" id="{5F028E6F-824B-48F0-BA0A-821AE12A94A1}"/>
-              </a:ext>
-            </a:extLst>
-          </p:cNvPr>
+          <p:cNvPr id="7" name="Straight Connector 6" descr="Light grey line separating Morph text and images"/>
           <p:cNvCxnSpPr/>
           <p:nvPr/>
         </p:nvCxnSpPr>
@@ -7378,20 +7437,14 @@
       </p:cxnSp>
       <p:pic>
         <p:nvPicPr>
-          <p:cNvPr id="9" name="Picture 8" descr="A screenshot of a cell phone&#10;&#10;Description automatically generated">
-            <a:extLst>
-              <a:ext uri="{FF2B5EF4-FFF2-40B4-BE49-F238E27FC236}">
-                <a16:creationId xmlns:a16="http://schemas.microsoft.com/office/drawing/2014/main" id="{70695B4C-6B98-4066-9C42-964A5910B4B8}"/>
-              </a:ext>
-            </a:extLst>
-          </p:cNvPr>
+          <p:cNvPr id="9" name="Picture 8" descr="A screenshot of a cell phone&#10;&#10;Description automatically generated"/>
           <p:cNvPicPr>
             <a:picLocks noChangeAspect="1"/>
           </p:cNvPicPr>
           <p:nvPr/>
         </p:nvPicPr>
         <p:blipFill>
-          <a:blip r:embed="rId3" cstate="print">
+          <a:blip r:embed="rId2" cstate="print">
             <a:extLst>
               <a:ext uri="{28A0092B-C50C-407E-A947-70E740481C1C}">
                 <a14:useLocalDpi xmlns:a14="http://schemas.microsoft.com/office/drawing/2010/main" val="0"/>
@@ -7413,20 +7466,15 @@
         </p:spPr>
       </p:pic>
     </p:spTree>
-    <p:extLst>
-      <p:ext uri="{BB962C8B-B14F-4D97-AF65-F5344CB8AC3E}">
-        <p14:creationId xmlns:p14="http://schemas.microsoft.com/office/powerpoint/2010/main" val="3304666644"/>
-      </p:ext>
-    </p:extLst>
   </p:cSld>
   <p:clrMapOvr>
     <a:masterClrMapping/>
   </p:clrMapOvr>
-  <mc:AlternateContent xmlns:mc="http://schemas.openxmlformats.org/markup-compatibility/2006" xmlns:p14="http://schemas.microsoft.com/office/powerpoint/2010/main">
-    <mc:Choice Requires="p14">
+  <mc:AlternateContent xmlns:mc="http://schemas.openxmlformats.org/markup-compatibility/2006">
+    <mc:Choice xmlns:p14="http://schemas.microsoft.com/office/powerpoint/2010/main" Requires="p14">
       <p:transition p14:dur="10"/>
     </mc:Choice>
-    <mc:Fallback xmlns="">
+    <mc:Fallback>
       <p:transition/>
     </mc:Fallback>
   </mc:AlternateContent>
@@ -7474,6 +7522,10 @@
               </a:rPr>
               <a:t>Order Lifecycle</a:t>
             </a:r>
+            <a:endParaRPr lang="en-US" dirty="0">
+              <a:latin typeface="Segoe UI Light" panose="020B0502040204020203" pitchFamily="34" charset="0"/>
+              <a:cs typeface="Segoe UI Light" panose="020B0502040204020203" pitchFamily="34" charset="0"/>
+            </a:endParaRPr>
           </a:p>
         </p:txBody>
       </p:sp>
@@ -7572,6 +7624,13 @@
                 </a:rPr>
                 <a:t>1</a:t>
               </a:r>
+              <a:endParaRPr lang="en-US" dirty="0">
+                <a:solidFill>
+                  <a:schemeClr val="bg1"/>
+                </a:solidFill>
+                <a:latin typeface="Segoe UI Semibold" panose="020B0702040204020203" pitchFamily="34" charset="0"/>
+                <a:cs typeface="Segoe UI Semibold" panose="020B0702040204020203" pitchFamily="34" charset="0"/>
+              </a:endParaRPr>
             </a:p>
           </p:txBody>
         </p:sp>
@@ -7579,9 +7638,7 @@
       <p:sp>
         <p:nvSpPr>
           <p:cNvPr id="29" name="Content Placeholder 17"/>
-          <p:cNvSpPr txBox="1">
-            <a:spLocks/>
-          </p:cNvSpPr>
+          <p:cNvSpPr txBox="1"/>
           <p:nvPr/>
         </p:nvSpPr>
         <p:spPr>
@@ -7608,7 +7665,7 @@
               <a:spcAft>
                 <a:spcPts val="1000"/>
               </a:spcAft>
-              <a:buFont typeface="Arial" panose="020B0604020202020204" pitchFamily="34" charset="0"/>
+              <a:buFont typeface="Arial" panose="020B0604020202090204" pitchFamily="34" charset="0"/>
               <a:buChar char="•"/>
               <a:defRPr lang="en-US" sz="1200" kern="1200" smtClean="0">
                 <a:solidFill>
@@ -7632,7 +7689,7 @@
               <a:spcAft>
                 <a:spcPts val="1000"/>
               </a:spcAft>
-              <a:buFont typeface="Arial" panose="020B0604020202020204" pitchFamily="34" charset="0"/>
+              <a:buFont typeface="Arial" panose="020B0604020202090204" pitchFamily="34" charset="0"/>
               <a:buChar char="•"/>
               <a:defRPr lang="en-US" sz="1200" kern="1200" smtClean="0">
                 <a:solidFill>
@@ -7656,7 +7713,7 @@
               <a:spcAft>
                 <a:spcPts val="1000"/>
               </a:spcAft>
-              <a:buFont typeface="Arial" panose="020B0604020202020204" pitchFamily="34" charset="0"/>
+              <a:buFont typeface="Arial" panose="020B0604020202090204" pitchFamily="34" charset="0"/>
               <a:buChar char="•"/>
               <a:defRPr lang="en-US" sz="1200" kern="1200" smtClean="0">
                 <a:solidFill>
@@ -7680,7 +7737,7 @@
               <a:spcAft>
                 <a:spcPts val="1000"/>
               </a:spcAft>
-              <a:buFont typeface="Arial" panose="020B0604020202020204" pitchFamily="34" charset="0"/>
+              <a:buFont typeface="Arial" panose="020B0604020202090204" pitchFamily="34" charset="0"/>
               <a:buChar char="•"/>
               <a:defRPr lang="en-US" sz="1200" kern="1200" smtClean="0">
                 <a:solidFill>
@@ -7704,7 +7761,7 @@
               <a:spcAft>
                 <a:spcPts val="1000"/>
               </a:spcAft>
-              <a:buFont typeface="Arial" panose="020B0604020202020204" pitchFamily="34" charset="0"/>
+              <a:buFont typeface="Arial" panose="020B0604020202090204" pitchFamily="34" charset="0"/>
               <a:buChar char="•"/>
               <a:defRPr lang="en-US" sz="1200" kern="1200">
                 <a:solidFill>
@@ -7725,7 +7782,7 @@
               <a:spcBef>
                 <a:spcPct val="30000"/>
               </a:spcBef>
-              <a:buFont typeface="Arial" panose="020B0604020202020204" pitchFamily="34" charset="0"/>
+              <a:buFont typeface="Arial" panose="020B0604020202090204" pitchFamily="34" charset="0"/>
               <a:buChar char="•"/>
               <a:defRPr sz="1800" kern="1200">
                 <a:solidFill>
@@ -7743,7 +7800,7 @@
               <a:spcBef>
                 <a:spcPct val="30000"/>
               </a:spcBef>
-              <a:buFont typeface="Arial" panose="020B0604020202020204" pitchFamily="34" charset="0"/>
+              <a:buFont typeface="Arial" panose="020B0604020202090204" pitchFamily="34" charset="0"/>
               <a:buChar char="•"/>
               <a:defRPr sz="1800" kern="1200">
                 <a:solidFill>
@@ -7761,7 +7818,7 @@
               <a:spcBef>
                 <a:spcPct val="30000"/>
               </a:spcBef>
-              <a:buFont typeface="Arial" panose="020B0604020202020204" pitchFamily="34" charset="0"/>
+              <a:buFont typeface="Arial" panose="020B0604020202090204" pitchFamily="34" charset="0"/>
               <a:buChar char="•"/>
               <a:defRPr sz="1800" kern="1200">
                 <a:solidFill>
@@ -7779,7 +7836,7 @@
               <a:spcBef>
                 <a:spcPct val="30000"/>
               </a:spcBef>
-              <a:buFont typeface="Arial" panose="020B0604020202020204" pitchFamily="34" charset="0"/>
+              <a:buFont typeface="Arial" panose="020B0604020202090204" pitchFamily="34" charset="0"/>
               <a:buChar char="•"/>
               <a:defRPr sz="1800" kern="1200">
                 <a:solidFill>
@@ -7792,7 +7849,7 @@
             </a:lvl9pPr>
           </a:lstStyle>
           <a:p>
-            <a:pPr marL="0" lvl="0" indent="0" algn="just" defTabSz="512763">
+            <a:pPr marL="0" lvl="0" indent="0" algn="just" defTabSz="512445">
               <a:lnSpc>
                 <a:spcPct val="100000"/>
               </a:lnSpc>
@@ -7938,6 +7995,13 @@
                 </a:rPr>
                 <a:t>2</a:t>
               </a:r>
+              <a:endParaRPr lang="en-US" dirty="0">
+                <a:solidFill>
+                  <a:schemeClr val="bg1"/>
+                </a:solidFill>
+                <a:latin typeface="Segoe UI Semibold" panose="020B0702040204020203" pitchFamily="34" charset="0"/>
+                <a:cs typeface="Segoe UI Semibold" panose="020B0702040204020203" pitchFamily="34" charset="0"/>
+              </a:endParaRPr>
             </a:p>
           </p:txBody>
         </p:sp>
@@ -7945,9 +8009,7 @@
       <p:sp>
         <p:nvSpPr>
           <p:cNvPr id="22" name="Content Placeholder 17"/>
-          <p:cNvSpPr txBox="1">
-            <a:spLocks/>
-          </p:cNvSpPr>
+          <p:cNvSpPr txBox="1"/>
           <p:nvPr/>
         </p:nvSpPr>
         <p:spPr>
@@ -7974,7 +8036,7 @@
               <a:spcAft>
                 <a:spcPts val="1000"/>
               </a:spcAft>
-              <a:buFont typeface="Arial" panose="020B0604020202020204" pitchFamily="34" charset="0"/>
+              <a:buFont typeface="Arial" panose="020B0604020202090204" pitchFamily="34" charset="0"/>
               <a:buChar char="•"/>
               <a:defRPr lang="en-US" sz="1200" kern="1200" smtClean="0">
                 <a:solidFill>
@@ -7998,7 +8060,7 @@
               <a:spcAft>
                 <a:spcPts val="1000"/>
               </a:spcAft>
-              <a:buFont typeface="Arial" panose="020B0604020202020204" pitchFamily="34" charset="0"/>
+              <a:buFont typeface="Arial" panose="020B0604020202090204" pitchFamily="34" charset="0"/>
               <a:buChar char="•"/>
               <a:defRPr lang="en-US" sz="1200" kern="1200" smtClean="0">
                 <a:solidFill>
@@ -8022,7 +8084,7 @@
               <a:spcAft>
                 <a:spcPts val="1000"/>
               </a:spcAft>
-              <a:buFont typeface="Arial" panose="020B0604020202020204" pitchFamily="34" charset="0"/>
+              <a:buFont typeface="Arial" panose="020B0604020202090204" pitchFamily="34" charset="0"/>
               <a:buChar char="•"/>
               <a:defRPr lang="en-US" sz="1200" kern="1200" smtClean="0">
                 <a:solidFill>
@@ -8046,7 +8108,7 @@
               <a:spcAft>
                 <a:spcPts val="1000"/>
               </a:spcAft>
-              <a:buFont typeface="Arial" panose="020B0604020202020204" pitchFamily="34" charset="0"/>
+              <a:buFont typeface="Arial" panose="020B0604020202090204" pitchFamily="34" charset="0"/>
               <a:buChar char="•"/>
               <a:defRPr lang="en-US" sz="1200" kern="1200" smtClean="0">
                 <a:solidFill>
@@ -8070,7 +8132,7 @@
               <a:spcAft>
                 <a:spcPts val="1000"/>
               </a:spcAft>
-              <a:buFont typeface="Arial" panose="020B0604020202020204" pitchFamily="34" charset="0"/>
+              <a:buFont typeface="Arial" panose="020B0604020202090204" pitchFamily="34" charset="0"/>
               <a:buChar char="•"/>
               <a:defRPr lang="en-US" sz="1200" kern="1200">
                 <a:solidFill>
@@ -8091,7 +8153,7 @@
               <a:spcBef>
                 <a:spcPct val="30000"/>
               </a:spcBef>
-              <a:buFont typeface="Arial" panose="020B0604020202020204" pitchFamily="34" charset="0"/>
+              <a:buFont typeface="Arial" panose="020B0604020202090204" pitchFamily="34" charset="0"/>
               <a:buChar char="•"/>
               <a:defRPr sz="1800" kern="1200">
                 <a:solidFill>
@@ -8109,7 +8171,7 @@
               <a:spcBef>
                 <a:spcPct val="30000"/>
               </a:spcBef>
-              <a:buFont typeface="Arial" panose="020B0604020202020204" pitchFamily="34" charset="0"/>
+              <a:buFont typeface="Arial" panose="020B0604020202090204" pitchFamily="34" charset="0"/>
               <a:buChar char="•"/>
               <a:defRPr sz="1800" kern="1200">
                 <a:solidFill>
@@ -8127,7 +8189,7 @@
               <a:spcBef>
                 <a:spcPct val="30000"/>
               </a:spcBef>
-              <a:buFont typeface="Arial" panose="020B0604020202020204" pitchFamily="34" charset="0"/>
+              <a:buFont typeface="Arial" panose="020B0604020202090204" pitchFamily="34" charset="0"/>
               <a:buChar char="•"/>
               <a:defRPr sz="1800" kern="1200">
                 <a:solidFill>
@@ -8145,7 +8207,7 @@
               <a:spcBef>
                 <a:spcPct val="30000"/>
               </a:spcBef>
-              <a:buFont typeface="Arial" panose="020B0604020202020204" pitchFamily="34" charset="0"/>
+              <a:buFont typeface="Arial" panose="020B0604020202090204" pitchFamily="34" charset="0"/>
               <a:buChar char="•"/>
               <a:defRPr sz="1800" kern="1200">
                 <a:solidFill>
@@ -8174,6 +8236,16 @@
               </a:rPr>
               <a:t>The user can himself select the rider on the map. </a:t>
             </a:r>
+            <a:endParaRPr lang="en-US" dirty="0">
+              <a:solidFill>
+                <a:prstClr val="black">
+                  <a:lumMod val="75000"/>
+                  <a:lumOff val="25000"/>
+                </a:prstClr>
+              </a:solidFill>
+              <a:latin typeface="Segoe UI" panose="020B0502040204020203" pitchFamily="34" charset="0"/>
+              <a:cs typeface="Segoe UI" panose="020B0502040204020203" pitchFamily="34" charset="0"/>
+            </a:endParaRPr>
           </a:p>
         </p:txBody>
       </p:sp>
@@ -8272,6 +8344,13 @@
                 </a:rPr>
                 <a:t>3</a:t>
               </a:r>
+              <a:endParaRPr lang="en-US" dirty="0">
+                <a:solidFill>
+                  <a:schemeClr val="bg1"/>
+                </a:solidFill>
+                <a:latin typeface="Segoe UI Semibold" panose="020B0702040204020203" pitchFamily="34" charset="0"/>
+                <a:cs typeface="Segoe UI Semibold" panose="020B0702040204020203" pitchFamily="34" charset="0"/>
+              </a:endParaRPr>
             </a:p>
           </p:txBody>
         </p:sp>
@@ -8279,9 +8358,7 @@
       <p:sp>
         <p:nvSpPr>
           <p:cNvPr id="34" name="Content Placeholder 17"/>
-          <p:cNvSpPr txBox="1">
-            <a:spLocks/>
-          </p:cNvSpPr>
+          <p:cNvSpPr txBox="1"/>
           <p:nvPr/>
         </p:nvSpPr>
         <p:spPr>
@@ -8308,7 +8385,7 @@
               <a:spcAft>
                 <a:spcPts val="1000"/>
               </a:spcAft>
-              <a:buFont typeface="Arial" panose="020B0604020202020204" pitchFamily="34" charset="0"/>
+              <a:buFont typeface="Arial" panose="020B0604020202090204" pitchFamily="34" charset="0"/>
               <a:buChar char="•"/>
               <a:defRPr lang="en-US" sz="1200" kern="1200" smtClean="0">
                 <a:solidFill>
@@ -8332,7 +8409,7 @@
               <a:spcAft>
                 <a:spcPts val="1000"/>
               </a:spcAft>
-              <a:buFont typeface="Arial" panose="020B0604020202020204" pitchFamily="34" charset="0"/>
+              <a:buFont typeface="Arial" panose="020B0604020202090204" pitchFamily="34" charset="0"/>
               <a:buChar char="•"/>
               <a:defRPr lang="en-US" sz="1200" kern="1200" smtClean="0">
                 <a:solidFill>
@@ -8356,7 +8433,7 @@
               <a:spcAft>
                 <a:spcPts val="1000"/>
               </a:spcAft>
-              <a:buFont typeface="Arial" panose="020B0604020202020204" pitchFamily="34" charset="0"/>
+              <a:buFont typeface="Arial" panose="020B0604020202090204" pitchFamily="34" charset="0"/>
               <a:buChar char="•"/>
               <a:defRPr lang="en-US" sz="1200" kern="1200" smtClean="0">
                 <a:solidFill>
@@ -8380,7 +8457,7 @@
               <a:spcAft>
                 <a:spcPts val="1000"/>
               </a:spcAft>
-              <a:buFont typeface="Arial" panose="020B0604020202020204" pitchFamily="34" charset="0"/>
+              <a:buFont typeface="Arial" panose="020B0604020202090204" pitchFamily="34" charset="0"/>
               <a:buChar char="•"/>
               <a:defRPr lang="en-US" sz="1200" kern="1200" smtClean="0">
                 <a:solidFill>
@@ -8404,7 +8481,7 @@
               <a:spcAft>
                 <a:spcPts val="1000"/>
               </a:spcAft>
-              <a:buFont typeface="Arial" panose="020B0604020202020204" pitchFamily="34" charset="0"/>
+              <a:buFont typeface="Arial" panose="020B0604020202090204" pitchFamily="34" charset="0"/>
               <a:buChar char="•"/>
               <a:defRPr lang="en-US" sz="1200" kern="1200">
                 <a:solidFill>
@@ -8425,7 +8502,7 @@
               <a:spcBef>
                 <a:spcPct val="30000"/>
               </a:spcBef>
-              <a:buFont typeface="Arial" panose="020B0604020202020204" pitchFamily="34" charset="0"/>
+              <a:buFont typeface="Arial" panose="020B0604020202090204" pitchFamily="34" charset="0"/>
               <a:buChar char="•"/>
               <a:defRPr sz="1800" kern="1200">
                 <a:solidFill>
@@ -8443,7 +8520,7 @@
               <a:spcBef>
                 <a:spcPct val="30000"/>
               </a:spcBef>
-              <a:buFont typeface="Arial" panose="020B0604020202020204" pitchFamily="34" charset="0"/>
+              <a:buFont typeface="Arial" panose="020B0604020202090204" pitchFamily="34" charset="0"/>
               <a:buChar char="•"/>
               <a:defRPr sz="1800" kern="1200">
                 <a:solidFill>
@@ -8461,7 +8538,7 @@
               <a:spcBef>
                 <a:spcPct val="30000"/>
               </a:spcBef>
-              <a:buFont typeface="Arial" panose="020B0604020202020204" pitchFamily="34" charset="0"/>
+              <a:buFont typeface="Arial" panose="020B0604020202090204" pitchFamily="34" charset="0"/>
               <a:buChar char="•"/>
               <a:defRPr sz="1800" kern="1200">
                 <a:solidFill>
@@ -8479,7 +8556,7 @@
               <a:spcBef>
                 <a:spcPct val="30000"/>
               </a:spcBef>
-              <a:buFont typeface="Arial" panose="020B0604020202020204" pitchFamily="34" charset="0"/>
+              <a:buFont typeface="Arial" panose="020B0604020202090204" pitchFamily="34" charset="0"/>
               <a:buChar char="•"/>
               <a:defRPr sz="1800" kern="1200">
                 <a:solidFill>
@@ -8492,7 +8569,7 @@
             </a:lvl9pPr>
           </a:lstStyle>
           <a:p>
-            <a:pPr marL="0" indent="0" defTabSz="512763">
+            <a:pPr marL="0" indent="0" defTabSz="512445">
               <a:spcAft>
                 <a:spcPts val="2000"/>
               </a:spcAft>
@@ -8511,25 +8588,29 @@
               </a:rPr>
               <a:t>In alternative way by a list of riders or choosing automatically the nearest one </a:t>
             </a:r>
+            <a:endParaRPr lang="en-US" dirty="0">
+              <a:solidFill>
+                <a:prstClr val="black">
+                  <a:lumMod val="75000"/>
+                  <a:lumOff val="25000"/>
+                </a:prstClr>
+              </a:solidFill>
+              <a:latin typeface="Segoe UI" panose="020B0502040204020203" pitchFamily="34" charset="0"/>
+              <a:cs typeface="Segoe UI" panose="020B0502040204020203" pitchFamily="34" charset="0"/>
+            </a:endParaRPr>
           </a:p>
         </p:txBody>
       </p:sp>
       <p:pic>
         <p:nvPicPr>
-          <p:cNvPr id="9" name="Picture 8" descr="A screenshot of a cell phone&#10;&#10;Description automatically generated">
-            <a:extLst>
-              <a:ext uri="{FF2B5EF4-FFF2-40B4-BE49-F238E27FC236}">
-                <a16:creationId xmlns:a16="http://schemas.microsoft.com/office/drawing/2014/main" id="{8D5508BD-8448-436F-87D5-76298197F2B3}"/>
-              </a:ext>
-            </a:extLst>
-          </p:cNvPr>
+          <p:cNvPr id="9" name="Picture 8" descr="A screenshot of a cell phone&#10;&#10;Description automatically generated"/>
           <p:cNvPicPr>
             <a:picLocks noChangeAspect="1"/>
           </p:cNvPicPr>
           <p:nvPr/>
         </p:nvPicPr>
         <p:blipFill>
-          <a:blip r:embed="rId2" cstate="print">
+          <a:blip r:embed="rId1" cstate="print">
             <a:extLst>
               <a:ext uri="{28A0092B-C50C-407E-A947-70E740481C1C}">
                 <a14:useLocalDpi xmlns:a14="http://schemas.microsoft.com/office/drawing/2010/main" val="0"/>
@@ -8552,20 +8633,14 @@
       </p:pic>
       <p:pic>
         <p:nvPicPr>
-          <p:cNvPr id="11" name="Picture 10" descr="A picture containing text, map&#10;&#10;Description automatically generated">
-            <a:extLst>
-              <a:ext uri="{FF2B5EF4-FFF2-40B4-BE49-F238E27FC236}">
-                <a16:creationId xmlns:a16="http://schemas.microsoft.com/office/drawing/2014/main" id="{C0E49F42-449A-4680-B062-763F6A36ED04}"/>
-              </a:ext>
-            </a:extLst>
-          </p:cNvPr>
+          <p:cNvPr id="11" name="Picture 10" descr="A picture containing text, map&#10;&#10;Description automatically generated"/>
           <p:cNvPicPr>
             <a:picLocks noChangeAspect="1"/>
           </p:cNvPicPr>
           <p:nvPr/>
         </p:nvPicPr>
         <p:blipFill>
-          <a:blip r:embed="rId3" cstate="print">
+          <a:blip r:embed="rId2" cstate="print">
             <a:extLst>
               <a:ext uri="{28A0092B-C50C-407E-A947-70E740481C1C}">
                 <a14:useLocalDpi xmlns:a14="http://schemas.microsoft.com/office/drawing/2010/main" val="0"/>
@@ -8588,20 +8663,14 @@
       </p:pic>
       <p:pic>
         <p:nvPicPr>
-          <p:cNvPr id="13" name="Picture 12" descr="A screenshot of a cell phone&#10;&#10;Description automatically generated">
-            <a:extLst>
-              <a:ext uri="{FF2B5EF4-FFF2-40B4-BE49-F238E27FC236}">
-                <a16:creationId xmlns:a16="http://schemas.microsoft.com/office/drawing/2014/main" id="{676763E4-BDD4-4414-BC3C-E7D97664DBE7}"/>
-              </a:ext>
-            </a:extLst>
-          </p:cNvPr>
+          <p:cNvPr id="13" name="Picture 12" descr="A screenshot of a cell phone&#10;&#10;Description automatically generated"/>
           <p:cNvPicPr>
             <a:picLocks noChangeAspect="1"/>
           </p:cNvPicPr>
           <p:nvPr/>
         </p:nvPicPr>
         <p:blipFill>
-          <a:blip r:embed="rId4" cstate="print">
+          <a:blip r:embed="rId3" cstate="print">
             <a:extLst>
               <a:ext uri="{28A0092B-C50C-407E-A947-70E740481C1C}">
                 <a14:useLocalDpi xmlns:a14="http://schemas.microsoft.com/office/drawing/2010/main" val="0"/>
@@ -8624,20 +8693,14 @@
       </p:pic>
       <p:pic>
         <p:nvPicPr>
-          <p:cNvPr id="7" name="Picture 6" descr="A close up of text on a white background&#10;&#10;Description automatically generated">
-            <a:extLst>
-              <a:ext uri="{FF2B5EF4-FFF2-40B4-BE49-F238E27FC236}">
-                <a16:creationId xmlns:a16="http://schemas.microsoft.com/office/drawing/2014/main" id="{28A1EBDD-835E-426A-9411-C4AD7D087BE0}"/>
-              </a:ext>
-            </a:extLst>
-          </p:cNvPr>
+          <p:cNvPr id="7" name="Picture 6" descr="A close up of text on a white background&#10;&#10;Description automatically generated"/>
           <p:cNvPicPr>
             <a:picLocks noChangeAspect="1"/>
           </p:cNvPicPr>
           <p:nvPr/>
         </p:nvPicPr>
         <p:blipFill>
-          <a:blip r:embed="rId5" cstate="print">
+          <a:blip r:embed="rId4" cstate="print">
             <a:extLst>
               <a:ext uri="{28A0092B-C50C-407E-A947-70E740481C1C}">
                 <a14:useLocalDpi xmlns:a14="http://schemas.microsoft.com/office/drawing/2010/main" val="0"/>
@@ -8659,20 +8722,15 @@
         </p:spPr>
       </p:pic>
     </p:spTree>
-    <p:extLst>
-      <p:ext uri="{BB962C8B-B14F-4D97-AF65-F5344CB8AC3E}">
-        <p14:creationId xmlns:p14="http://schemas.microsoft.com/office/powerpoint/2010/main" val="727668169"/>
-      </p:ext>
-    </p:extLst>
   </p:cSld>
   <p:clrMapOvr>
     <a:masterClrMapping/>
   </p:clrMapOvr>
-  <mc:AlternateContent xmlns:mc="http://schemas.openxmlformats.org/markup-compatibility/2006" xmlns:p14="http://schemas.microsoft.com/office/powerpoint/2010/main">
-    <mc:Choice Requires="p14">
+  <mc:AlternateContent xmlns:mc="http://schemas.openxmlformats.org/markup-compatibility/2006">
+    <mc:Choice xmlns:p14="http://schemas.microsoft.com/office/powerpoint/2010/main" Requires="p14">
       <p:transition p14:dur="10"/>
     </mc:Choice>
-    <mc:Fallback xmlns="">
+    <mc:Fallback>
       <p:transition/>
     </mc:Fallback>
   </mc:AlternateContent>
@@ -8718,25 +8776,23 @@
               </a:rPr>
               <a:t>Rider delivering</a:t>
             </a:r>
+            <a:endParaRPr lang="en-US" dirty="0">
+              <a:latin typeface="Segoe UI Light" panose="020B0502040204020203" pitchFamily="34" charset="0"/>
+              <a:cs typeface="Segoe UI Light" panose="020B0502040204020203" pitchFamily="34" charset="0"/>
+            </a:endParaRPr>
           </a:p>
         </p:txBody>
       </p:sp>
       <p:pic>
         <p:nvPicPr>
-          <p:cNvPr id="3" name="Picture 2" descr="A close up of a map&#10;&#10;Description automatically generated">
-            <a:extLst>
-              <a:ext uri="{FF2B5EF4-FFF2-40B4-BE49-F238E27FC236}">
-                <a16:creationId xmlns:a16="http://schemas.microsoft.com/office/drawing/2014/main" id="{7C26C210-40B2-4C10-AD9C-271149BCE5BD}"/>
-              </a:ext>
-            </a:extLst>
-          </p:cNvPr>
+          <p:cNvPr id="3" name="Picture 2" descr="A close up of a map&#10;&#10;Description automatically generated"/>
           <p:cNvPicPr>
             <a:picLocks noChangeAspect="1"/>
           </p:cNvPicPr>
           <p:nvPr/>
         </p:nvPicPr>
         <p:blipFill>
-          <a:blip r:embed="rId2" cstate="print">
+          <a:blip r:embed="rId1" cstate="print">
             <a:extLst>
               <a:ext uri="{28A0092B-C50C-407E-A947-70E740481C1C}">
                 <a14:useLocalDpi xmlns:a14="http://schemas.microsoft.com/office/drawing/2010/main" val="0"/>
@@ -8759,13 +8815,7 @@
       </p:pic>
       <p:cxnSp>
         <p:nvCxnSpPr>
-          <p:cNvPr id="5" name="Straight Connector 4" descr="Light grey line separating Morph text and images">
-            <a:extLst>
-              <a:ext uri="{FF2B5EF4-FFF2-40B4-BE49-F238E27FC236}">
-                <a16:creationId xmlns:a16="http://schemas.microsoft.com/office/drawing/2014/main" id="{A3163256-A448-40F2-B053-38131DB0E0D6}"/>
-              </a:ext>
-            </a:extLst>
-          </p:cNvPr>
+          <p:cNvPr id="5" name="Straight Connector 4" descr="Light grey line separating Morph text and images"/>
           <p:cNvCxnSpPr/>
           <p:nvPr/>
         </p:nvCxnSpPr>
@@ -8802,13 +8852,7 @@
       </p:cxnSp>
       <p:sp>
         <p:nvSpPr>
-          <p:cNvPr id="2" name="TextBox 1">
-            <a:extLst>
-              <a:ext uri="{FF2B5EF4-FFF2-40B4-BE49-F238E27FC236}">
-                <a16:creationId xmlns:a16="http://schemas.microsoft.com/office/drawing/2014/main" id="{843DB0F9-14E4-4748-9D24-E23625558D18}"/>
-              </a:ext>
-            </a:extLst>
-          </p:cNvPr>
+          <p:cNvPr id="2" name="TextBox 1"/>
           <p:cNvSpPr txBox="1"/>
           <p:nvPr/>
         </p:nvSpPr>
@@ -8893,6 +8937,7 @@
               <a:rPr lang="it-IT" sz="1400" dirty="0"/>
               <a:t> app.</a:t>
             </a:r>
+            <a:endParaRPr lang="it-IT" sz="1400" dirty="0"/>
           </a:p>
           <a:p>
             <a:pPr algn="just"/>
@@ -8912,6 +8957,7 @@
               <a:rPr lang="en-GB" sz="1400" dirty="0"/>
               <a:t> Fragment the rider can see the Restaurant and Customer address.</a:t>
             </a:r>
+            <a:endParaRPr lang="en-GB" sz="1400" dirty="0"/>
           </a:p>
           <a:p>
             <a:pPr algn="just"/>
@@ -8923,6 +8969,7 @@
               <a:rPr lang="en-GB" sz="1400" dirty="0"/>
               <a:t>The path is shown on the map. Moreover, it is updated when the rider reaches the restaurant and the customer’s path is displayed. </a:t>
             </a:r>
+            <a:endParaRPr lang="en-GB" sz="1400" dirty="0"/>
           </a:p>
           <a:p>
             <a:pPr algn="just"/>
@@ -8934,25 +8981,20 @@
               <a:rPr lang="en-GB" sz="1400" dirty="0"/>
               <a:t>When the order is delivered, the rider notifies it by clicking on the related button.</a:t>
             </a:r>
+            <a:endParaRPr lang="en-GB" sz="1400" dirty="0"/>
           </a:p>
         </p:txBody>
       </p:sp>
       <p:pic>
         <p:nvPicPr>
-          <p:cNvPr id="6" name="Picture 5" descr="A screenshot of a cell phone&#10;&#10;Description automatically generated">
-            <a:extLst>
-              <a:ext uri="{FF2B5EF4-FFF2-40B4-BE49-F238E27FC236}">
-                <a16:creationId xmlns:a16="http://schemas.microsoft.com/office/drawing/2014/main" id="{5E186699-CFAE-4893-B17C-DEA9555D51B1}"/>
-              </a:ext>
-            </a:extLst>
-          </p:cNvPr>
+          <p:cNvPr id="6" name="Picture 5" descr="A screenshot of a cell phone&#10;&#10;Description automatically generated"/>
           <p:cNvPicPr>
             <a:picLocks noChangeAspect="1"/>
           </p:cNvPicPr>
           <p:nvPr/>
         </p:nvPicPr>
         <p:blipFill>
-          <a:blip r:embed="rId3" cstate="print">
+          <a:blip r:embed="rId2" cstate="print">
             <a:extLst>
               <a:ext uri="{28A0092B-C50C-407E-A947-70E740481C1C}">
                 <a14:useLocalDpi xmlns:a14="http://schemas.microsoft.com/office/drawing/2010/main" val="0"/>
@@ -8974,20 +9016,15 @@
         </p:spPr>
       </p:pic>
     </p:spTree>
-    <p:extLst>
-      <p:ext uri="{BB962C8B-B14F-4D97-AF65-F5344CB8AC3E}">
-        <p14:creationId xmlns:p14="http://schemas.microsoft.com/office/powerpoint/2010/main" val="1769326051"/>
-      </p:ext>
-    </p:extLst>
   </p:cSld>
   <p:clrMapOvr>
     <a:masterClrMapping/>
   </p:clrMapOvr>
-  <mc:AlternateContent xmlns:mc="http://schemas.openxmlformats.org/markup-compatibility/2006" xmlns:p14="http://schemas.microsoft.com/office/powerpoint/2010/main">
-    <mc:Choice Requires="p14">
+  <mc:AlternateContent xmlns:mc="http://schemas.openxmlformats.org/markup-compatibility/2006">
+    <mc:Choice xmlns:p14="http://schemas.microsoft.com/office/powerpoint/2010/main" Requires="p14">
       <p:transition p14:dur="10"/>
     </mc:Choice>
-    <mc:Fallback xmlns="">
+    <mc:Fallback>
       <p:transition/>
     </mc:Fallback>
   </mc:AlternateContent>
@@ -9185,11 +9222,9 @@
       </a:bgFillStyleLst>
     </a:fmtScheme>
   </a:themeElements>
-  <a:objectDefaults/>
-  <a:extraClrSchemeLst/>
   <a:extLst>
     <a:ext uri="{05A4C25C-085E-4340-85A3-A5531E510DB2}">
-      <thm15:themeFamily xmlns:thm15="http://schemas.microsoft.com/office/thememl/2012/main" name="Presentation1" id="{1A670225-786D-4D35-95D2-EE23BCCC822D}" vid="{047B070F-071F-4F7E-B21E-00157DBF8DCB}"/>
+      <thm15:themeFamily xmlns:thm15="http://schemas.microsoft.com/office/thememl/2012/main" name="Office Theme" id="{62F939B6-93AF-4DB8-9C6B-D6C7DFDC589F}" vid="{4A3C46E8-61CC-4603-A589-7422A47A8E4A}"/>
     </a:ext>
   </a:extLst>
 </a:theme>
@@ -9446,8 +9481,6 @@
       </a:bgFillStyleLst>
     </a:fmtScheme>
   </a:themeElements>
-  <a:objectDefaults/>
-  <a:extraClrSchemeLst/>
   <a:extLst>
     <a:ext uri="{05A4C25C-085E-4340-85A3-A5531E510DB2}">
       <thm15:themeFamily xmlns:thm15="http://schemas.microsoft.com/office/thememl/2012/main" name="Office Theme" id="{62F939B6-93AF-4DB8-9C6B-D6C7DFDC589F}" vid="{4A3C46E8-61CC-4603-A589-7422A47A8E4A}"/>
@@ -9499,7 +9532,7 @@
     </a:clrScheme>
     <a:fontScheme name="Office">
       <a:majorFont>
-        <a:latin typeface="Calibri Light" panose="020F0302020204030204"/>
+        <a:latin typeface="Calibri Light"/>
         <a:ea typeface=""/>
         <a:cs typeface=""/>
         <a:font script="Jpan" typeface="游ゴシック Light"/>
@@ -9532,26 +9565,9 @@
         <a:font script="Viet" typeface="Times New Roman"/>
         <a:font script="Uigh" typeface="Microsoft Uighur"/>
         <a:font script="Geor" typeface="Sylfaen"/>
-        <a:font script="Armn" typeface="Arial"/>
-        <a:font script="Bugi" typeface="Leelawadee UI"/>
-        <a:font script="Bopo" typeface="Microsoft JhengHei"/>
-        <a:font script="Java" typeface="Javanese Text"/>
-        <a:font script="Lisu" typeface="Segoe UI"/>
-        <a:font script="Mymr" typeface="Myanmar Text"/>
-        <a:font script="Nkoo" typeface="Ebrima"/>
-        <a:font script="Olck" typeface="Nirmala UI"/>
-        <a:font script="Osma" typeface="Ebrima"/>
-        <a:font script="Phag" typeface="Phagspa"/>
-        <a:font script="Syrn" typeface="Estrangelo Edessa"/>
-        <a:font script="Syrj" typeface="Estrangelo Edessa"/>
-        <a:font script="Syre" typeface="Estrangelo Edessa"/>
-        <a:font script="Sora" typeface="Nirmala UI"/>
-        <a:font script="Tale" typeface="Microsoft Tai Le"/>
-        <a:font script="Talu" typeface="Microsoft New Tai Lue"/>
-        <a:font script="Tfng" typeface="Ebrima"/>
       </a:majorFont>
       <a:minorFont>
-        <a:latin typeface="Calibri" panose="020F0502020204030204"/>
+        <a:latin typeface="Calibri"/>
         <a:ea typeface=""/>
         <a:cs typeface=""/>
         <a:font script="Jpan" typeface="游ゴシック"/>
@@ -9584,23 +9600,6 @@
         <a:font script="Viet" typeface="Arial"/>
         <a:font script="Uigh" typeface="Microsoft Uighur"/>
         <a:font script="Geor" typeface="Sylfaen"/>
-        <a:font script="Armn" typeface="Arial"/>
-        <a:font script="Bugi" typeface="Leelawadee UI"/>
-        <a:font script="Bopo" typeface="Microsoft JhengHei"/>
-        <a:font script="Java" typeface="Javanese Text"/>
-        <a:font script="Lisu" typeface="Segoe UI"/>
-        <a:font script="Mymr" typeface="Myanmar Text"/>
-        <a:font script="Nkoo" typeface="Ebrima"/>
-        <a:font script="Olck" typeface="Nirmala UI"/>
-        <a:font script="Osma" typeface="Ebrima"/>
-        <a:font script="Phag" typeface="Phagspa"/>
-        <a:font script="Syrn" typeface="Estrangelo Edessa"/>
-        <a:font script="Syrj" typeface="Estrangelo Edessa"/>
-        <a:font script="Syre" typeface="Estrangelo Edessa"/>
-        <a:font script="Sora" typeface="Nirmala UI"/>
-        <a:font script="Tale" typeface="Microsoft Tai Le"/>
-        <a:font script="Talu" typeface="Microsoft New Tai Lue"/>
-        <a:font script="Tfng" typeface="Ebrima"/>
       </a:minorFont>
     </a:fontScheme>
     <a:fmtScheme name="Office">
@@ -9741,284 +9740,10 @@
       </a:bgFillStyleLst>
     </a:fmtScheme>
   </a:themeElements>
-  <a:objectDefaults/>
-  <a:extraClrSchemeLst/>
   <a:extLst>
     <a:ext uri="{05A4C25C-085E-4340-85A3-A5531E510DB2}">
       <thm15:themeFamily xmlns:thm15="http://schemas.microsoft.com/office/thememl/2012/main" name="Office Theme" id="{62F939B6-93AF-4DB8-9C6B-D6C7DFDC589F}" vid="{4A3C46E8-61CC-4603-A589-7422A47A8E4A}"/>
     </a:ext>
   </a:extLst>
 </a:theme>
-</file>
-
-<file path=customXml/item1.xml><?xml version="1.0" encoding="utf-8"?>
-<?mso-contentType ?>
-<FormTemplates xmlns="http://schemas.microsoft.com/sharepoint/v3/contenttype/forms">
-  <Display>DocumentLibraryForm</Display>
-  <Edit>DocumentLibraryForm</Edit>
-  <New>DocumentLibraryForm</New>
-</FormTemplates>
-</file>
-
-<file path=customXml/item2.xml><?xml version="1.0" encoding="utf-8"?>
-<p:properties xmlns:p="http://schemas.microsoft.com/office/2006/metadata/properties" xmlns:xsi="http://www.w3.org/2001/XMLSchema-instance" xmlns:pc="http://schemas.microsoft.com/office/infopath/2007/PartnerControls">
-  <documentManagement>
-    <MediaServiceKeyPoints xmlns="71af3243-3dd4-4a8d-8c0d-dd76da1f02a5" xsi:nil="true"/>
-  </documentManagement>
-</p:properties>
-</file>
-
-<file path=customXml/item3.xml><?xml version="1.0" encoding="utf-8"?>
-<ct:contentTypeSchema xmlns:ct="http://schemas.microsoft.com/office/2006/metadata/contentType" xmlns:ma="http://schemas.microsoft.com/office/2006/metadata/properties/metaAttributes" ct:_="" ma:_="" ma:contentTypeName="Document" ma:contentTypeID="0x01010079F111ED35F8CC479449609E8A0923A6" ma:contentTypeVersion="11" ma:contentTypeDescription="Create a new document." ma:contentTypeScope="" ma:versionID="96291512c1ee715ab617f4c07df79fc1">
-  <xsd:schema xmlns:xsd="http://www.w3.org/2001/XMLSchema" xmlns:xs="http://www.w3.org/2001/XMLSchema" xmlns:p="http://schemas.microsoft.com/office/2006/metadata/properties" xmlns:ns2="71af3243-3dd4-4a8d-8c0d-dd76da1f02a5" xmlns:ns3="16c05727-aa75-4e4a-9b5f-8a80a1165891" targetNamespace="http://schemas.microsoft.com/office/2006/metadata/properties" ma:root="true" ma:fieldsID="8256c27c40ca5c40ce1cf6c44f0205df" ns2:_="" ns3:_="">
-    <xsd:import namespace="71af3243-3dd4-4a8d-8c0d-dd76da1f02a5"/>
-    <xsd:import namespace="16c05727-aa75-4e4a-9b5f-8a80a1165891"/>
-    <xsd:element name="properties">
-      <xsd:complexType>
-        <xsd:sequence>
-          <xsd:element name="documentManagement">
-            <xsd:complexType>
-              <xsd:all>
-                <xsd:element ref="ns2:MediaServiceMetadata" minOccurs="0"/>
-                <xsd:element ref="ns2:MediaServiceFastMetadata" minOccurs="0"/>
-                <xsd:element ref="ns2:MediaServiceOCR" minOccurs="0"/>
-                <xsd:element ref="ns2:MediaServiceAutoTags" minOccurs="0"/>
-                <xsd:element ref="ns2:MediaServiceEventHashCode" minOccurs="0"/>
-                <xsd:element ref="ns2:MediaServiceGenerationTime" minOccurs="0"/>
-                <xsd:element ref="ns3:SharedWithUsers" minOccurs="0"/>
-                <xsd:element ref="ns3:SharedWithDetails" minOccurs="0"/>
-                <xsd:element ref="ns2:MediaServiceAutoKeyPoints" minOccurs="0"/>
-                <xsd:element ref="ns2:MediaServiceKeyPoints" minOccurs="0"/>
-                <xsd:element ref="ns2:MediaServiceDateTaken" minOccurs="0"/>
-              </xsd:all>
-            </xsd:complexType>
-          </xsd:element>
-        </xsd:sequence>
-      </xsd:complexType>
-    </xsd:element>
-  </xsd:schema>
-  <xsd:schema xmlns:xsd="http://www.w3.org/2001/XMLSchema" xmlns:xs="http://www.w3.org/2001/XMLSchema" xmlns:dms="http://schemas.microsoft.com/office/2006/documentManagement/types" xmlns:pc="http://schemas.microsoft.com/office/infopath/2007/PartnerControls" targetNamespace="71af3243-3dd4-4a8d-8c0d-dd76da1f02a5" elementFormDefault="qualified">
-    <xsd:import namespace="http://schemas.microsoft.com/office/2006/documentManagement/types"/>
-    <xsd:import namespace="http://schemas.microsoft.com/office/infopath/2007/PartnerControls"/>
-    <xsd:element name="MediaServiceMetadata" ma:index="8" nillable="true" ma:displayName="MediaServiceMetadata" ma:hidden="true" ma:internalName="MediaServiceMetadata" ma:readOnly="true">
-      <xsd:simpleType>
-        <xsd:restriction base="dms:Note"/>
-      </xsd:simpleType>
-    </xsd:element>
-    <xsd:element name="MediaServiceFastMetadata" ma:index="9" nillable="true" ma:displayName="MediaServiceFastMetadata" ma:hidden="true" ma:internalName="MediaServiceFastMetadata" ma:readOnly="true">
-      <xsd:simpleType>
-        <xsd:restriction base="dms:Note"/>
-      </xsd:simpleType>
-    </xsd:element>
-    <xsd:element name="MediaServiceOCR" ma:index="10" nillable="true" ma:displayName="MediaServiceOCR" ma:internalName="MediaServiceOCR" ma:readOnly="true">
-      <xsd:simpleType>
-        <xsd:restriction base="dms:Note">
-          <xsd:maxLength value="255"/>
-        </xsd:restriction>
-      </xsd:simpleType>
-    </xsd:element>
-    <xsd:element name="MediaServiceAutoTags" ma:index="11" nillable="true" ma:displayName="MediaServiceAutoTags" ma:internalName="MediaServiceAutoTags" ma:readOnly="true">
-      <xsd:simpleType>
-        <xsd:restriction base="dms:Text"/>
-      </xsd:simpleType>
-    </xsd:element>
-    <xsd:element name="MediaServiceEventHashCode" ma:index="12" nillable="true" ma:displayName="MediaServiceEventHashCode" ma:hidden="true" ma:internalName="MediaServiceEventHashCode" ma:readOnly="true">
-      <xsd:simpleType>
-        <xsd:restriction base="dms:Text"/>
-      </xsd:simpleType>
-    </xsd:element>
-    <xsd:element name="MediaServiceGenerationTime" ma:index="13" nillable="true" ma:displayName="MediaServiceGenerationTime" ma:hidden="true" ma:internalName="MediaServiceGenerationTime" ma:readOnly="true">
-      <xsd:simpleType>
-        <xsd:restriction base="dms:Text"/>
-      </xsd:simpleType>
-    </xsd:element>
-    <xsd:element name="MediaServiceAutoKeyPoints" ma:index="16" nillable="true" ma:displayName="MediaServiceAutoKeyPoints" ma:hidden="true" ma:internalName="MediaServiceAutoKeyPoints" ma:readOnly="true">
-      <xsd:simpleType>
-        <xsd:restriction base="dms:Note"/>
-      </xsd:simpleType>
-    </xsd:element>
-    <xsd:element name="MediaServiceKeyPoints" ma:index="17" nillable="true" ma:displayName="KeyPoints" ma:internalName="MediaServiceKeyPoints" ma:readOnly="false">
-      <xsd:simpleType>
-        <xsd:restriction base="dms:Note">
-          <xsd:maxLength value="255"/>
-        </xsd:restriction>
-      </xsd:simpleType>
-    </xsd:element>
-    <xsd:element name="MediaServiceDateTaken" ma:index="18" nillable="true" ma:displayName="MediaServiceDateTaken" ma:hidden="true" ma:internalName="MediaServiceDateTaken" ma:readOnly="true">
-      <xsd:simpleType>
-        <xsd:restriction base="dms:Text"/>
-      </xsd:simpleType>
-    </xsd:element>
-  </xsd:schema>
-  <xsd:schema xmlns:xsd="http://www.w3.org/2001/XMLSchema" xmlns:xs="http://www.w3.org/2001/XMLSchema" xmlns:dms="http://schemas.microsoft.com/office/2006/documentManagement/types" xmlns:pc="http://schemas.microsoft.com/office/infopath/2007/PartnerControls" targetNamespace="16c05727-aa75-4e4a-9b5f-8a80a1165891" elementFormDefault="qualified">
-    <xsd:import namespace="http://schemas.microsoft.com/office/2006/documentManagement/types"/>
-    <xsd:import namespace="http://schemas.microsoft.com/office/infopath/2007/PartnerControls"/>
-    <xsd:element name="SharedWithUsers" ma:index="14" nillable="true" ma:displayName="Shared With" ma:internalName="SharedWithUsers" ma:readOnly="true">
-      <xsd:complexType>
-        <xsd:complexContent>
-          <xsd:extension base="dms:UserMulti">
-            <xsd:sequence>
-              <xsd:element name="UserInfo" minOccurs="0" maxOccurs="unbounded">
-                <xsd:complexType>
-                  <xsd:sequence>
-                    <xsd:element name="DisplayName" type="xsd:string" minOccurs="0"/>
-                    <xsd:element name="AccountId" type="dms:UserId" minOccurs="0" nillable="true"/>
-                    <xsd:element name="AccountType" type="xsd:string" minOccurs="0"/>
-                  </xsd:sequence>
-                </xsd:complexType>
-              </xsd:element>
-            </xsd:sequence>
-          </xsd:extension>
-        </xsd:complexContent>
-      </xsd:complexType>
-    </xsd:element>
-    <xsd:element name="SharedWithDetails" ma:index="15" nillable="true" ma:displayName="Shared With Details" ma:internalName="SharedWithDetails" ma:readOnly="true">
-      <xsd:simpleType>
-        <xsd:restriction base="dms:Note">
-          <xsd:maxLength value="255"/>
-        </xsd:restriction>
-      </xsd:simpleType>
-    </xsd:element>
-  </xsd:schema>
-  <xsd:schema xmlns="http://schemas.openxmlformats.org/package/2006/metadata/core-properties" xmlns:xsd="http://www.w3.org/2001/XMLSchema" xmlns:xsi="http://www.w3.org/2001/XMLSchema-instance" xmlns:dc="http://purl.org/dc/elements/1.1/" xmlns:dcterms="http://purl.org/dc/terms/" xmlns:odoc="http://schemas.microsoft.com/internal/obd" targetNamespace="http://schemas.openxmlformats.org/package/2006/metadata/core-properties" elementFormDefault="qualified" attributeFormDefault="unqualified" blockDefault="#all">
-    <xsd:import namespace="http://purl.org/dc/elements/1.1/" schemaLocation="http://dublincore.org/schemas/xmls/qdc/2003/04/02/dc.xsd"/>
-    <xsd:import namespace="http://purl.org/dc/terms/" schemaLocation="http://dublincore.org/schemas/xmls/qdc/2003/04/02/dcterms.xsd"/>
-    <xsd:element name="coreProperties" type="CT_coreProperties"/>
-    <xsd:complexType name="CT_coreProperties">
-      <xsd:all>
-        <xsd:element ref="dc:creator" minOccurs="0" maxOccurs="1"/>
-        <xsd:element ref="dcterms:created" minOccurs="0" maxOccurs="1"/>
-        <xsd:element ref="dc:identifier" minOccurs="0" maxOccurs="1"/>
-        <xsd:element name="contentType" minOccurs="0" maxOccurs="1" type="xsd:string" ma:index="0" ma:displayName="Content Type"/>
-        <xsd:element ref="dc:title" minOccurs="0" maxOccurs="1" ma:index="4" ma:displayName="Title"/>
-        <xsd:element ref="dc:subject" minOccurs="0" maxOccurs="1"/>
-        <xsd:element ref="dc:description" minOccurs="0" maxOccurs="1"/>
-        <xsd:element name="keywords" minOccurs="0" maxOccurs="1" type="xsd:string"/>
-        <xsd:element ref="dc:language" minOccurs="0" maxOccurs="1"/>
-        <xsd:element name="category" minOccurs="0" maxOccurs="1" type="xsd:string"/>
-        <xsd:element name="version" minOccurs="0" maxOccurs="1" type="xsd:string"/>
-        <xsd:element name="revision" minOccurs="0" maxOccurs="1" type="xsd:string">
-          <xsd:annotation>
-            <xsd:documentation>
-                        This value indicates the number of saves or revisions. The application is responsible for updating this value after each revision.
-                    </xsd:documentation>
-          </xsd:annotation>
-        </xsd:element>
-        <xsd:element name="lastModifiedBy" minOccurs="0" maxOccurs="1" type="xsd:string"/>
-        <xsd:element ref="dcterms:modified" minOccurs="0" maxOccurs="1"/>
-        <xsd:element name="contentStatus" minOccurs="0" maxOccurs="1" type="xsd:string"/>
-      </xsd:all>
-    </xsd:complexType>
-  </xsd:schema>
-  <xs:schema xmlns:pc="http://schemas.microsoft.com/office/infopath/2007/PartnerControls" xmlns:xs="http://www.w3.org/2001/XMLSchema" targetNamespace="http://schemas.microsoft.com/office/infopath/2007/PartnerControls" elementFormDefault="qualified" attributeFormDefault="unqualified">
-    <xs:element name="Person">
-      <xs:complexType>
-        <xs:sequence>
-          <xs:element ref="pc:DisplayName" minOccurs="0"/>
-          <xs:element ref="pc:AccountId" minOccurs="0"/>
-          <xs:element ref="pc:AccountType" minOccurs="0"/>
-        </xs:sequence>
-      </xs:complexType>
-    </xs:element>
-    <xs:element name="DisplayName" type="xs:string"/>
-    <xs:element name="AccountId" type="xs:string"/>
-    <xs:element name="AccountType" type="xs:string"/>
-    <xs:element name="BDCAssociatedEntity">
-      <xs:complexType>
-        <xs:sequence>
-          <xs:element ref="pc:BDCEntity" minOccurs="0" maxOccurs="unbounded"/>
-        </xs:sequence>
-        <xs:attribute ref="pc:EntityNamespace"/>
-        <xs:attribute ref="pc:EntityName"/>
-        <xs:attribute ref="pc:SystemInstanceName"/>
-        <xs:attribute ref="pc:AssociationName"/>
-      </xs:complexType>
-    </xs:element>
-    <xs:attribute name="EntityNamespace" type="xs:string"/>
-    <xs:attribute name="EntityName" type="xs:string"/>
-    <xs:attribute name="SystemInstanceName" type="xs:string"/>
-    <xs:attribute name="AssociationName" type="xs:string"/>
-    <xs:element name="BDCEntity">
-      <xs:complexType>
-        <xs:sequence>
-          <xs:element ref="pc:EntityDisplayName" minOccurs="0"/>
-          <xs:element ref="pc:EntityInstanceReference" minOccurs="0"/>
-          <xs:element ref="pc:EntityId1" minOccurs="0"/>
-          <xs:element ref="pc:EntityId2" minOccurs="0"/>
-          <xs:element ref="pc:EntityId3" minOccurs="0"/>
-          <xs:element ref="pc:EntityId4" minOccurs="0"/>
-          <xs:element ref="pc:EntityId5" minOccurs="0"/>
-        </xs:sequence>
-      </xs:complexType>
-    </xs:element>
-    <xs:element name="EntityDisplayName" type="xs:string"/>
-    <xs:element name="EntityInstanceReference" type="xs:string"/>
-    <xs:element name="EntityId1" type="xs:string"/>
-    <xs:element name="EntityId2" type="xs:string"/>
-    <xs:element name="EntityId3" type="xs:string"/>
-    <xs:element name="EntityId4" type="xs:string"/>
-    <xs:element name="EntityId5" type="xs:string"/>
-    <xs:element name="Terms">
-      <xs:complexType>
-        <xs:sequence>
-          <xs:element ref="pc:TermInfo" minOccurs="0" maxOccurs="unbounded"/>
-        </xs:sequence>
-      </xs:complexType>
-    </xs:element>
-    <xs:element name="TermInfo">
-      <xs:complexType>
-        <xs:sequence>
-          <xs:element ref="pc:TermName" minOccurs="0"/>
-          <xs:element ref="pc:TermId" minOccurs="0"/>
-        </xs:sequence>
-      </xs:complexType>
-    </xs:element>
-    <xs:element name="TermName" type="xs:string"/>
-    <xs:element name="TermId" type="xs:string"/>
-  </xs:schema>
-</ct:contentTypeSchema>
-</file>
-
-<file path=customXml/itemProps1.xml><?xml version="1.0" encoding="utf-8"?>
-<ds:datastoreItem xmlns:ds="http://schemas.openxmlformats.org/officeDocument/2006/customXml" ds:itemID="{A68F36FF-D6F8-4F25-B1D6-7893F2294B63}">
-  <ds:schemaRefs>
-    <ds:schemaRef ds:uri="http://schemas.microsoft.com/sharepoint/v3/contenttype/forms"/>
-  </ds:schemaRefs>
-</ds:datastoreItem>
-</file>
-
-<file path=customXml/itemProps2.xml><?xml version="1.0" encoding="utf-8"?>
-<ds:datastoreItem xmlns:ds="http://schemas.openxmlformats.org/officeDocument/2006/customXml" ds:itemID="{7BED6A94-6CEC-4690-B5D0-3E831BCC769C}">
-  <ds:schemaRefs>
-    <ds:schemaRef ds:uri="71af3243-3dd4-4a8d-8c0d-dd76da1f02a5"/>
-    <ds:schemaRef ds:uri="http://purl.org/dc/dcmitype/"/>
-    <ds:schemaRef ds:uri="http://purl.org/dc/terms/"/>
-    <ds:schemaRef ds:uri="http://www.w3.org/XML/1998/namespace"/>
-    <ds:schemaRef ds:uri="http://purl.org/dc/elements/1.1/"/>
-    <ds:schemaRef ds:uri="http://schemas.microsoft.com/office/infopath/2007/PartnerControls"/>
-    <ds:schemaRef ds:uri="http://schemas.microsoft.com/office/2006/documentManagement/types"/>
-    <ds:schemaRef ds:uri="http://schemas.openxmlformats.org/package/2006/metadata/core-properties"/>
-    <ds:schemaRef ds:uri="16c05727-aa75-4e4a-9b5f-8a80a1165891"/>
-    <ds:schemaRef ds:uri="http://schemas.microsoft.com/office/2006/metadata/properties"/>
-  </ds:schemaRefs>
-</ds:datastoreItem>
-</file>
-
-<file path=customXml/itemProps3.xml><?xml version="1.0" encoding="utf-8"?>
-<ds:datastoreItem xmlns:ds="http://schemas.openxmlformats.org/officeDocument/2006/customXml" ds:itemID="{E60B3179-FCE1-482B-B473-8B7BB6F9AC8B}">
-  <ds:schemaRefs>
-    <ds:schemaRef ds:uri="http://schemas.microsoft.com/office/2006/metadata/contentType"/>
-    <ds:schemaRef ds:uri="http://schemas.microsoft.com/office/2006/metadata/properties/metaAttributes"/>
-    <ds:schemaRef ds:uri="http://www.w3.org/2001/XMLSchema"/>
-    <ds:schemaRef ds:uri="http://schemas.microsoft.com/office/2006/metadata/properties"/>
-    <ds:schemaRef ds:uri="71af3243-3dd4-4a8d-8c0d-dd76da1f02a5"/>
-    <ds:schemaRef ds:uri="16c05727-aa75-4e4a-9b5f-8a80a1165891"/>
-    <ds:schemaRef ds:uri="http://schemas.microsoft.com/office/2006/documentManagement/types"/>
-    <ds:schemaRef ds:uri="http://schemas.microsoft.com/office/infopath/2007/PartnerControls"/>
-    <ds:schemaRef ds:uri="http://schemas.openxmlformats.org/package/2006/metadata/core-properties"/>
-    <ds:schemaRef ds:uri="http://purl.org/dc/elements/1.1/"/>
-    <ds:schemaRef ds:uri="http://purl.org/dc/terms/"/>
-    <ds:schemaRef ds:uri="http://schemas.microsoft.com/internal/obd"/>
-  </ds:schemaRefs>
-</ds:datastoreItem>
 </file>